--- a/ai_group6ppt.pptx
+++ b/ai_group6ppt.pptx
@@ -124,7 +124,7 @@
 <file path=ppt/revisionInfo.xml><?xml version="1.0" encoding="utf-8"?>
 <p1510:revInfo xmlns:a="http://schemas.openxmlformats.org/drawingml/2006/main" xmlns:r="http://schemas.openxmlformats.org/officeDocument/2006/relationships" xmlns:p1510="http://schemas.microsoft.com/office/powerpoint/2015/10/main">
   <p1510:revLst>
-    <p1510:client id="{A4A38E5F-75A8-4F3E-9573-64E6900F2294}" v="34" dt="2025-05-27T06:37:13.972"/>
+    <p1510:client id="{A4A38E5F-75A8-4F3E-9573-64E6900F2294}" v="36" dt="2025-05-27T06:54:27.908"/>
   </p1510:revLst>
 </p1510:revInfo>
 </file>
@@ -133,8 +133,8 @@
 <pc:chgInfo xmlns:a="http://schemas.openxmlformats.org/drawingml/2006/main" xmlns:r="http://schemas.openxmlformats.org/officeDocument/2006/relationships" xmlns:ac="http://schemas.microsoft.com/office/drawing/2013/main/command" xmlns:pc="http://schemas.microsoft.com/office/powerpoint/2013/main/command">
   <pc:docChgLst>
     <pc:chgData name="Tanishka Tyagi" userId="e89a38856051942c" providerId="LiveId" clId="{A4A38E5F-75A8-4F3E-9573-64E6900F2294}"/>
-    <pc:docChg chg="custSel addSld delSld modSld sldOrd">
-      <pc:chgData name="Tanishka Tyagi" userId="e89a38856051942c" providerId="LiveId" clId="{A4A38E5F-75A8-4F3E-9573-64E6900F2294}" dt="2025-05-27T06:37:14.251" v="796" actId="27636"/>
+    <pc:docChg chg="undo custSel addSld delSld modSld sldOrd">
+      <pc:chgData name="Tanishka Tyagi" userId="e89a38856051942c" providerId="LiveId" clId="{A4A38E5F-75A8-4F3E-9573-64E6900F2294}" dt="2025-05-27T06:57:17.888" v="960" actId="20577"/>
       <pc:docMkLst>
         <pc:docMk/>
       </pc:docMkLst>
@@ -194,13 +194,13 @@
         </pc:cxnChg>
       </pc:sldChg>
       <pc:sldChg chg="modSp new mod">
-        <pc:chgData name="Tanishka Tyagi" userId="e89a38856051942c" providerId="LiveId" clId="{A4A38E5F-75A8-4F3E-9573-64E6900F2294}" dt="2025-05-27T04:50:28.887" v="93" actId="1076"/>
+        <pc:chgData name="Tanishka Tyagi" userId="e89a38856051942c" providerId="LiveId" clId="{A4A38E5F-75A8-4F3E-9573-64E6900F2294}" dt="2025-05-27T06:49:55.033" v="799" actId="113"/>
         <pc:sldMkLst>
           <pc:docMk/>
           <pc:sldMk cId="3908115541" sldId="299"/>
         </pc:sldMkLst>
         <pc:spChg chg="mod">
-          <ac:chgData name="Tanishka Tyagi" userId="e89a38856051942c" providerId="LiveId" clId="{A4A38E5F-75A8-4F3E-9573-64E6900F2294}" dt="2025-05-27T04:50:28.887" v="93" actId="1076"/>
+          <ac:chgData name="Tanishka Tyagi" userId="e89a38856051942c" providerId="LiveId" clId="{A4A38E5F-75A8-4F3E-9573-64E6900F2294}" dt="2025-05-27T06:49:55.033" v="799" actId="113"/>
           <ac:spMkLst>
             <pc:docMk/>
             <pc:sldMk cId="3908115541" sldId="299"/>
@@ -387,13 +387,13 @@
         </pc:spChg>
       </pc:sldChg>
       <pc:sldChg chg="addSp delSp modSp new mod">
-        <pc:chgData name="Tanishka Tyagi" userId="e89a38856051942c" providerId="LiveId" clId="{A4A38E5F-75A8-4F3E-9573-64E6900F2294}" dt="2025-05-27T06:37:14.185" v="793" actId="27636"/>
+        <pc:chgData name="Tanishka Tyagi" userId="e89a38856051942c" providerId="LiveId" clId="{A4A38E5F-75A8-4F3E-9573-64E6900F2294}" dt="2025-05-27T06:52:20.892" v="823" actId="20577"/>
         <pc:sldMkLst>
           <pc:docMk/>
           <pc:sldMk cId="1334424330" sldId="305"/>
         </pc:sldMkLst>
         <pc:spChg chg="mod">
-          <ac:chgData name="Tanishka Tyagi" userId="e89a38856051942c" providerId="LiveId" clId="{A4A38E5F-75A8-4F3E-9573-64E6900F2294}" dt="2025-05-27T05:12:17.783" v="209" actId="1076"/>
+          <ac:chgData name="Tanishka Tyagi" userId="e89a38856051942c" providerId="LiveId" clId="{A4A38E5F-75A8-4F3E-9573-64E6900F2294}" dt="2025-05-27T06:50:15.457" v="801" actId="1076"/>
           <ac:spMkLst>
             <pc:docMk/>
             <pc:sldMk cId="1334424330" sldId="305"/>
@@ -401,7 +401,7 @@
           </ac:spMkLst>
         </pc:spChg>
         <pc:spChg chg="mod">
-          <ac:chgData name="Tanishka Tyagi" userId="e89a38856051942c" providerId="LiveId" clId="{A4A38E5F-75A8-4F3E-9573-64E6900F2294}" dt="2025-05-27T06:37:14.185" v="793" actId="27636"/>
+          <ac:chgData name="Tanishka Tyagi" userId="e89a38856051942c" providerId="LiveId" clId="{A4A38E5F-75A8-4F3E-9573-64E6900F2294}" dt="2025-05-27T06:52:20.892" v="823" actId="20577"/>
           <ac:spMkLst>
             <pc:docMk/>
             <pc:sldMk cId="1334424330" sldId="305"/>
@@ -494,8 +494,8 @@
           </ac:spMkLst>
         </pc:spChg>
       </pc:sldChg>
-      <pc:sldChg chg="addSp delSp modSp new mod">
-        <pc:chgData name="Tanishka Tyagi" userId="e89a38856051942c" providerId="LiveId" clId="{A4A38E5F-75A8-4F3E-9573-64E6900F2294}" dt="2025-05-27T05:37:50.479" v="783" actId="1076"/>
+      <pc:sldChg chg="addSp delSp modSp new add del mod">
+        <pc:chgData name="Tanishka Tyagi" userId="e89a38856051942c" providerId="LiveId" clId="{A4A38E5F-75A8-4F3E-9573-64E6900F2294}" dt="2025-05-27T06:57:17.888" v="960" actId="20577"/>
         <pc:sldMkLst>
           <pc:docMk/>
           <pc:sldMk cId="2664435974" sldId="309"/>
@@ -517,7 +517,7 @@
           </ac:spMkLst>
         </pc:spChg>
         <pc:spChg chg="add mod">
-          <ac:chgData name="Tanishka Tyagi" userId="e89a38856051942c" providerId="LiveId" clId="{A4A38E5F-75A8-4F3E-9573-64E6900F2294}" dt="2025-05-27T05:37:50.479" v="783" actId="1076"/>
+          <ac:chgData name="Tanishka Tyagi" userId="e89a38856051942c" providerId="LiveId" clId="{A4A38E5F-75A8-4F3E-9573-64E6900F2294}" dt="2025-05-27T06:57:17.888" v="960" actId="20577"/>
           <ac:spMkLst>
             <pc:docMk/>
             <pc:sldMk cId="2664435974" sldId="309"/>
@@ -525,8 +525,8 @@
           </ac:spMkLst>
         </pc:spChg>
       </pc:sldChg>
-      <pc:sldChg chg="modSp new mod">
-        <pc:chgData name="Tanishka Tyagi" userId="e89a38856051942c" providerId="LiveId" clId="{A4A38E5F-75A8-4F3E-9573-64E6900F2294}" dt="2025-05-27T06:37:14.210" v="794" actId="27636"/>
+      <pc:sldChg chg="modSp new add del mod">
+        <pc:chgData name="Tanishka Tyagi" userId="e89a38856051942c" providerId="LiveId" clId="{A4A38E5F-75A8-4F3E-9573-64E6900F2294}" dt="2025-05-27T06:56:57.724" v="917" actId="47"/>
         <pc:sldMkLst>
           <pc:docMk/>
           <pc:sldMk cId="3944642905" sldId="310"/>
@@ -540,7 +540,7 @@
           </ac:spMkLst>
         </pc:spChg>
         <pc:spChg chg="mod">
-          <ac:chgData name="Tanishka Tyagi" userId="e89a38856051942c" providerId="LiveId" clId="{A4A38E5F-75A8-4F3E-9573-64E6900F2294}" dt="2025-05-27T06:37:14.210" v="794" actId="27636"/>
+          <ac:chgData name="Tanishka Tyagi" userId="e89a38856051942c" providerId="LiveId" clId="{A4A38E5F-75A8-4F3E-9573-64E6900F2294}" dt="2025-05-27T06:54:46.520" v="852" actId="27636"/>
           <ac:spMkLst>
             <pc:docMk/>
             <pc:sldMk cId="3944642905" sldId="310"/>
@@ -7120,10 +7120,18 @@
           <a:lstStyle/>
           <a:p>
             <a:r>
-              <a:rPr lang="en-US" sz="1800" dirty="0"/>
+              <a:rPr lang="en-US" sz="1800" b="0" dirty="0">
+                <a:latin typeface="Calibri" panose="020F0502020204030204" pitchFamily="34" charset="0"/>
+                <a:ea typeface="Calibri" panose="020F0502020204030204" pitchFamily="34" charset="0"/>
+                <a:cs typeface="Calibri" panose="020F0502020204030204" pitchFamily="34" charset="0"/>
+              </a:rPr>
               <a:t>The goal of this project is to develop a classification model to predict whether a passenger survived the Titanic disaster, using the Titanic dataset provided by Kaggle. This dataset includes various passenger details such as age, gender, ticket class, fare, and number of family members aboard. To build an effective predictive model, the data will first be cleaned by handling missing values and converting categorical variables into numerical form. After preprocessing, the Naive Bayes classification algorithm will be applied. Naive Bayes is a probabilistic model based on Bayes' Theorem and is particularly useful for classification tasks involving categorical data. The final objective is to assess the model’s accuracy and understand which features contribute most to the likelihood of survival</a:t>
             </a:r>
-            <a:endParaRPr lang="en-IN" sz="1800" dirty="0"/>
+            <a:endParaRPr lang="en-IN" sz="1800" b="0" dirty="0">
+              <a:latin typeface="Calibri" panose="020F0502020204030204" pitchFamily="34" charset="0"/>
+              <a:ea typeface="Calibri" panose="020F0502020204030204" pitchFamily="34" charset="0"/>
+              <a:cs typeface="Calibri" panose="020F0502020204030204" pitchFamily="34" charset="0"/>
+            </a:endParaRPr>
           </a:p>
         </p:txBody>
       </p:sp>
@@ -7175,8 +7183,8 @@
         </p:nvSpPr>
         <p:spPr>
           <a:xfrm>
-            <a:off x="1600200" y="663047"/>
-            <a:ext cx="8991600" cy="1645920"/>
+            <a:off x="1424709" y="360218"/>
+            <a:ext cx="8991600" cy="1108240"/>
           </a:xfrm>
         </p:spPr>
         <p:txBody>
@@ -7208,13 +7216,13 @@
         </p:nvSpPr>
         <p:spPr>
           <a:xfrm>
-            <a:off x="0" y="2308967"/>
-            <a:ext cx="12192000" cy="4367048"/>
+            <a:off x="0" y="1625476"/>
+            <a:ext cx="12192000" cy="5232523"/>
           </a:xfrm>
         </p:spPr>
         <p:txBody>
           <a:bodyPr>
-            <a:normAutofit fontScale="85000" lnSpcReduction="20000"/>
+            <a:normAutofit/>
           </a:bodyPr>
           <a:lstStyle/>
           <a:p>
@@ -7222,92 +7230,389 @@
               <a:buNone/>
             </a:pPr>
             <a:r>
-              <a:rPr lang="en-US" sz="2800" b="1" dirty="0"/>
+              <a:rPr lang="en-US" sz="1600" b="1" dirty="0">
+                <a:latin typeface="Calibri" panose="020F0502020204030204" pitchFamily="34" charset="0"/>
+                <a:ea typeface="Calibri" panose="020F0502020204030204" pitchFamily="34" charset="0"/>
+                <a:cs typeface="Calibri" panose="020F0502020204030204" pitchFamily="34" charset="0"/>
+              </a:rPr>
               <a:t>1. Problem Definition</a:t>
             </a:r>
           </a:p>
           <a:p>
             <a:pPr algn="l"/>
             <a:r>
-              <a:rPr lang="en-US" sz="2800" dirty="0"/>
+              <a:rPr lang="en-US" sz="1600" dirty="0">
+                <a:latin typeface="Calibri" panose="020F0502020204030204" pitchFamily="34" charset="0"/>
+                <a:ea typeface="Calibri" panose="020F0502020204030204" pitchFamily="34" charset="0"/>
+                <a:cs typeface="Calibri" panose="020F0502020204030204" pitchFamily="34" charset="0"/>
+              </a:rPr>
               <a:t>The goal of this project is to develop a </a:t>
             </a:r>
             <a:r>
-              <a:rPr lang="en-US" sz="2800" b="1" dirty="0"/>
+              <a:rPr lang="en-US" sz="1600" b="1" dirty="0">
+                <a:latin typeface="Calibri" panose="020F0502020204030204" pitchFamily="34" charset="0"/>
+                <a:ea typeface="Calibri" panose="020F0502020204030204" pitchFamily="34" charset="0"/>
+                <a:cs typeface="Calibri" panose="020F0502020204030204" pitchFamily="34" charset="0"/>
+              </a:rPr>
               <a:t>binary classification model</a:t>
             </a:r>
             <a:r>
-              <a:rPr lang="en-US" sz="2800" dirty="0"/>
+              <a:rPr lang="en-US" sz="1600" dirty="0">
+                <a:latin typeface="Calibri" panose="020F0502020204030204" pitchFamily="34" charset="0"/>
+                <a:ea typeface="Calibri" panose="020F0502020204030204" pitchFamily="34" charset="0"/>
+                <a:cs typeface="Calibri" panose="020F0502020204030204" pitchFamily="34" charset="0"/>
+              </a:rPr>
               <a:t> to predict whether a passenger survived the Titanic disaster using the Titanic dataset provided by Kaggle.</a:t>
             </a:r>
           </a:p>
           <a:p>
             <a:pPr algn="l"/>
             <a:r>
-              <a:rPr lang="en-IN" sz="2800" dirty="0"/>
+              <a:rPr lang="en-IN" sz="1600" dirty="0">
+                <a:latin typeface="Calibri" panose="020F0502020204030204" pitchFamily="34" charset="0"/>
+                <a:ea typeface="Calibri" panose="020F0502020204030204" pitchFamily="34" charset="0"/>
+                <a:cs typeface="Calibri" panose="020F0502020204030204" pitchFamily="34" charset="0"/>
+              </a:rPr>
               <a:t>2. </a:t>
             </a:r>
             <a:r>
-              <a:rPr lang="en-IN" sz="2800" b="1" dirty="0"/>
+              <a:rPr lang="en-IN" sz="1600" b="1" dirty="0">
+                <a:latin typeface="Calibri" panose="020F0502020204030204" pitchFamily="34" charset="0"/>
+                <a:ea typeface="Calibri" panose="020F0502020204030204" pitchFamily="34" charset="0"/>
+                <a:cs typeface="Calibri" panose="020F0502020204030204" pitchFamily="34" charset="0"/>
+              </a:rPr>
               <a:t>Data Collection</a:t>
             </a:r>
           </a:p>
           <a:p>
             <a:pPr algn="l"/>
             <a:r>
-              <a:rPr lang="en-US" sz="2800" dirty="0"/>
+              <a:rPr lang="en-US" sz="1600" dirty="0">
+                <a:latin typeface="Calibri" panose="020F0502020204030204" pitchFamily="34" charset="0"/>
+                <a:ea typeface="Calibri" panose="020F0502020204030204" pitchFamily="34" charset="0"/>
+                <a:cs typeface="Calibri" panose="020F0502020204030204" pitchFamily="34" charset="0"/>
+              </a:rPr>
               <a:t>The dataset was obtained from the </a:t>
             </a:r>
             <a:r>
-              <a:rPr lang="en-US" sz="2800" dirty="0">
+              <a:rPr lang="en-US" sz="1600" dirty="0">
+                <a:latin typeface="Calibri" panose="020F0502020204030204" pitchFamily="34" charset="0"/>
+                <a:ea typeface="Calibri" panose="020F0502020204030204" pitchFamily="34" charset="0"/>
+                <a:cs typeface="Calibri" panose="020F0502020204030204" pitchFamily="34" charset="0"/>
                 <a:hlinkClick r:id="rId2"/>
               </a:rPr>
               <a:t>Kaggle Titanic competition</a:t>
             </a:r>
             <a:r>
-              <a:rPr lang="en-US" sz="2800" dirty="0"/>
+              <a:rPr lang="en-US" sz="1600" dirty="0">
+                <a:latin typeface="Calibri" panose="020F0502020204030204" pitchFamily="34" charset="0"/>
+                <a:ea typeface="Calibri" panose="020F0502020204030204" pitchFamily="34" charset="0"/>
+                <a:cs typeface="Calibri" panose="020F0502020204030204" pitchFamily="34" charset="0"/>
+              </a:rPr>
               <a:t>.</a:t>
             </a:r>
           </a:p>
           <a:p>
             <a:pPr algn="l"/>
             <a:r>
-              <a:rPr lang="en-IN" sz="2800" dirty="0"/>
+              <a:rPr lang="en-IN" sz="1600" dirty="0">
+                <a:latin typeface="Calibri" panose="020F0502020204030204" pitchFamily="34" charset="0"/>
+                <a:ea typeface="Calibri" panose="020F0502020204030204" pitchFamily="34" charset="0"/>
+                <a:cs typeface="Calibri" panose="020F0502020204030204" pitchFamily="34" charset="0"/>
+              </a:rPr>
               <a:t>It includes two files:</a:t>
             </a:r>
-            <a:endParaRPr lang="en-US" sz="2800" dirty="0"/>
+            <a:endParaRPr lang="en-US" sz="1600" dirty="0">
+              <a:latin typeface="Calibri" panose="020F0502020204030204" pitchFamily="34" charset="0"/>
+              <a:ea typeface="Calibri" panose="020F0502020204030204" pitchFamily="34" charset="0"/>
+              <a:cs typeface="Calibri" panose="020F0502020204030204" pitchFamily="34" charset="0"/>
+            </a:endParaRPr>
           </a:p>
           <a:p>
             <a:pPr algn="l"/>
             <a:r>
-              <a:rPr lang="en-US" sz="2800" dirty="0"/>
+              <a:rPr lang="en-US" sz="1600" dirty="0">
+                <a:latin typeface="Calibri" panose="020F0502020204030204" pitchFamily="34" charset="0"/>
+                <a:ea typeface="Calibri" panose="020F0502020204030204" pitchFamily="34" charset="0"/>
+                <a:cs typeface="Calibri" panose="020F0502020204030204" pitchFamily="34" charset="0"/>
+              </a:rPr>
               <a:t>Train.csv: Used for training and evaluating the model.</a:t>
             </a:r>
           </a:p>
           <a:p>
             <a:pPr algn="l"/>
             <a:r>
-              <a:rPr lang="en-US" sz="2800" dirty="0" err="1"/>
+              <a:rPr lang="en-US" sz="1600" dirty="0" err="1">
+                <a:latin typeface="Calibri" panose="020F0502020204030204" pitchFamily="34" charset="0"/>
+                <a:ea typeface="Calibri" panose="020F0502020204030204" pitchFamily="34" charset="0"/>
+                <a:cs typeface="Calibri" panose="020F0502020204030204" pitchFamily="34" charset="0"/>
+              </a:rPr>
               <a:t>Test.csv:Used</a:t>
             </a:r>
             <a:r>
-              <a:rPr lang="en-US" sz="2800" dirty="0"/>
+              <a:rPr lang="en-US" sz="1600" dirty="0">
+                <a:latin typeface="Calibri" panose="020F0502020204030204" pitchFamily="34" charset="0"/>
+                <a:ea typeface="Calibri" panose="020F0502020204030204" pitchFamily="34" charset="0"/>
+                <a:cs typeface="Calibri" panose="020F0502020204030204" pitchFamily="34" charset="0"/>
+              </a:rPr>
               <a:t> for generating predictions for unseen data.</a:t>
             </a:r>
           </a:p>
           <a:p>
             <a:pPr algn="l"/>
-            <a:endParaRPr lang="en-US" dirty="0"/>
+            <a:endParaRPr lang="en-US" sz="1600" dirty="0">
+              <a:latin typeface="Calibri" panose="020F0502020204030204" pitchFamily="34" charset="0"/>
+              <a:ea typeface="Calibri" panose="020F0502020204030204" pitchFamily="34" charset="0"/>
+              <a:cs typeface="Calibri" panose="020F0502020204030204" pitchFamily="34" charset="0"/>
+            </a:endParaRPr>
+          </a:p>
+          <a:p>
+            <a:pPr marL="0" marR="0" lvl="0" indent="0" algn="l" defTabSz="914400" rtl="0" eaLnBrk="0" fontAlgn="base" latinLnBrk="0" hangingPunct="0">
+              <a:lnSpc>
+                <a:spcPct val="100000"/>
+              </a:lnSpc>
+              <a:spcBef>
+                <a:spcPct val="0"/>
+              </a:spcBef>
+              <a:spcAft>
+                <a:spcPct val="0"/>
+              </a:spcAft>
+              <a:buClrTx/>
+              <a:buSzTx/>
+              <a:buFontTx/>
+              <a:buNone/>
+              <a:tabLst/>
+            </a:pPr>
+            <a:r>
+              <a:rPr kumimoji="0" lang="en-US" altLang="en-US" sz="1600" b="1" i="0" u="none" strike="noStrike" cap="none" normalizeH="0" baseline="0" dirty="0">
+                <a:ln>
+                  <a:noFill/>
+                </a:ln>
+                <a:solidFill>
+                  <a:schemeClr val="tx1"/>
+                </a:solidFill>
+                <a:effectLst/>
+                <a:latin typeface="Calibri" panose="020F0502020204030204" pitchFamily="34" charset="0"/>
+                <a:ea typeface="Calibri" panose="020F0502020204030204" pitchFamily="34" charset="0"/>
+                <a:cs typeface="Calibri" panose="020F0502020204030204" pitchFamily="34" charset="0"/>
+              </a:rPr>
+              <a:t>3. Data Preprocessing</a:t>
+            </a:r>
+          </a:p>
+          <a:p>
+            <a:pPr marL="0" marR="0" lvl="0" indent="0" algn="l" defTabSz="914400" rtl="0" eaLnBrk="0" fontAlgn="base" latinLnBrk="0" hangingPunct="0">
+              <a:lnSpc>
+                <a:spcPct val="100000"/>
+              </a:lnSpc>
+              <a:spcBef>
+                <a:spcPct val="0"/>
+              </a:spcBef>
+              <a:spcAft>
+                <a:spcPct val="0"/>
+              </a:spcAft>
+              <a:buClrTx/>
+              <a:buSzTx/>
+              <a:buFontTx/>
+              <a:buNone/>
+              <a:tabLst/>
+            </a:pPr>
+            <a:r>
+              <a:rPr kumimoji="0" lang="en-US" altLang="en-US" sz="1600" b="0" i="0" u="none" strike="noStrike" cap="none" normalizeH="0" baseline="0" dirty="0">
+                <a:ln>
+                  <a:noFill/>
+                </a:ln>
+                <a:solidFill>
+                  <a:schemeClr val="tx1"/>
+                </a:solidFill>
+                <a:effectLst/>
+                <a:latin typeface="Calibri" panose="020F0502020204030204" pitchFamily="34" charset="0"/>
+                <a:ea typeface="Calibri" panose="020F0502020204030204" pitchFamily="34" charset="0"/>
+                <a:cs typeface="Calibri" panose="020F0502020204030204" pitchFamily="34" charset="0"/>
+              </a:rPr>
+              <a:t>To prepare the data for modeling, several preprocessing steps were applied:</a:t>
+            </a:r>
+            <a:endParaRPr kumimoji="0" lang="en-US" altLang="en-US" sz="1600" b="1" i="0" u="none" strike="noStrike" cap="none" normalizeH="0" baseline="0" dirty="0">
+              <a:ln>
+                <a:noFill/>
+              </a:ln>
+              <a:solidFill>
+                <a:schemeClr val="tx1"/>
+              </a:solidFill>
+              <a:effectLst/>
+              <a:latin typeface="Calibri" panose="020F0502020204030204" pitchFamily="34" charset="0"/>
+              <a:ea typeface="Calibri" panose="020F0502020204030204" pitchFamily="34" charset="0"/>
+              <a:cs typeface="Calibri" panose="020F0502020204030204" pitchFamily="34" charset="0"/>
+            </a:endParaRPr>
+          </a:p>
+          <a:p>
+            <a:pPr marL="0" marR="0" lvl="0" indent="0" algn="l" defTabSz="914400" rtl="0" eaLnBrk="0" fontAlgn="base" latinLnBrk="0" hangingPunct="0">
+              <a:lnSpc>
+                <a:spcPct val="100000"/>
+              </a:lnSpc>
+              <a:spcBef>
+                <a:spcPct val="0"/>
+              </a:spcBef>
+              <a:spcAft>
+                <a:spcPct val="0"/>
+              </a:spcAft>
+              <a:buClrTx/>
+              <a:buSzTx/>
+              <a:buFontTx/>
+              <a:buNone/>
+              <a:tabLst/>
+            </a:pPr>
+            <a:r>
+              <a:rPr kumimoji="0" lang="en-US" altLang="en-US" sz="1600" b="1" i="0" u="none" strike="noStrike" cap="none" normalizeH="0" baseline="0" dirty="0">
+                <a:ln>
+                  <a:noFill/>
+                </a:ln>
+                <a:solidFill>
+                  <a:schemeClr val="tx1"/>
+                </a:solidFill>
+                <a:effectLst/>
+                <a:latin typeface="Calibri" panose="020F0502020204030204" pitchFamily="34" charset="0"/>
+                <a:ea typeface="Calibri" panose="020F0502020204030204" pitchFamily="34" charset="0"/>
+                <a:cs typeface="Calibri" panose="020F0502020204030204" pitchFamily="34" charset="0"/>
+              </a:rPr>
+              <a:t>a. Feature Selection &amp; Removal</a:t>
+            </a:r>
+          </a:p>
+          <a:p>
+            <a:pPr marL="0" marR="0" lvl="0" indent="0" algn="l" defTabSz="914400" rtl="0" eaLnBrk="0" fontAlgn="base" latinLnBrk="0" hangingPunct="0">
+              <a:lnSpc>
+                <a:spcPct val="100000"/>
+              </a:lnSpc>
+              <a:spcBef>
+                <a:spcPct val="0"/>
+              </a:spcBef>
+              <a:spcAft>
+                <a:spcPct val="0"/>
+              </a:spcAft>
+              <a:buClrTx/>
+              <a:buSzTx/>
+              <a:buFontTx/>
+              <a:buChar char="•"/>
+              <a:tabLst/>
+            </a:pPr>
+            <a:r>
+              <a:rPr kumimoji="0" lang="en-US" altLang="en-US" sz="1600" b="0" i="0" u="none" strike="noStrike" cap="none" normalizeH="0" baseline="0" dirty="0">
+                <a:ln>
+                  <a:noFill/>
+                </a:ln>
+                <a:solidFill>
+                  <a:schemeClr val="tx1"/>
+                </a:solidFill>
+                <a:effectLst/>
+                <a:latin typeface="Calibri" panose="020F0502020204030204" pitchFamily="34" charset="0"/>
+                <a:ea typeface="Calibri" panose="020F0502020204030204" pitchFamily="34" charset="0"/>
+                <a:cs typeface="Calibri" panose="020F0502020204030204" pitchFamily="34" charset="0"/>
+              </a:rPr>
+              <a:t>Dropped columns that are not relevant or difficult to use directly for modeling:</a:t>
+            </a:r>
+          </a:p>
+          <a:p>
+            <a:pPr marL="457200" marR="0" lvl="1" indent="0" algn="l" defTabSz="914400" rtl="0" eaLnBrk="0" fontAlgn="base" latinLnBrk="0" hangingPunct="0">
+              <a:lnSpc>
+                <a:spcPct val="100000"/>
+              </a:lnSpc>
+              <a:spcBef>
+                <a:spcPct val="0"/>
+              </a:spcBef>
+              <a:spcAft>
+                <a:spcPct val="0"/>
+              </a:spcAft>
+              <a:buClrTx/>
+              <a:buSzTx/>
+              <a:buFontTx/>
+              <a:buChar char="•"/>
+              <a:tabLst/>
+            </a:pPr>
+            <a:r>
+              <a:rPr kumimoji="0" lang="en-US" altLang="en-US" sz="1600" b="0" i="0" u="none" strike="noStrike" cap="none" normalizeH="0" baseline="0" dirty="0">
+                <a:ln>
+                  <a:noFill/>
+                </a:ln>
+                <a:solidFill>
+                  <a:schemeClr val="tx1"/>
+                </a:solidFill>
+                <a:effectLst/>
+                <a:latin typeface="Calibri" panose="020F0502020204030204" pitchFamily="34" charset="0"/>
+                <a:ea typeface="Calibri" panose="020F0502020204030204" pitchFamily="34" charset="0"/>
+                <a:cs typeface="Calibri" panose="020F0502020204030204" pitchFamily="34" charset="0"/>
+              </a:rPr>
+              <a:t>Name, Ticket, and Cabin due to high cardinality or missing data.</a:t>
+            </a:r>
+          </a:p>
+          <a:p>
+            <a:pPr marL="457200" marR="0" lvl="1" indent="0" algn="l" defTabSz="914400" rtl="0" eaLnBrk="0" fontAlgn="base" latinLnBrk="0" hangingPunct="0">
+              <a:lnSpc>
+                <a:spcPct val="100000"/>
+              </a:lnSpc>
+              <a:spcBef>
+                <a:spcPct val="0"/>
+              </a:spcBef>
+              <a:spcAft>
+                <a:spcPct val="0"/>
+              </a:spcAft>
+              <a:buClrTx/>
+              <a:buSzTx/>
+              <a:buFontTx/>
+              <a:buChar char="•"/>
+              <a:tabLst/>
+            </a:pPr>
+            <a:r>
+              <a:rPr kumimoji="0" lang="en-US" altLang="en-US" sz="1600" b="0" i="0" u="none" strike="noStrike" cap="none" normalizeH="0" baseline="0" dirty="0">
+                <a:ln>
+                  <a:noFill/>
+                </a:ln>
+                <a:solidFill>
+                  <a:schemeClr val="tx1"/>
+                </a:solidFill>
+                <a:effectLst/>
+                <a:latin typeface="Calibri" panose="020F0502020204030204" pitchFamily="34" charset="0"/>
+                <a:ea typeface="Calibri" panose="020F0502020204030204" pitchFamily="34" charset="0"/>
+                <a:cs typeface="Calibri" panose="020F0502020204030204" pitchFamily="34" charset="0"/>
+              </a:rPr>
+              <a:t>PassengerId was retained only for submission purposes.</a:t>
+            </a:r>
           </a:p>
           <a:p>
             <a:pPr algn="l"/>
-            <a:endParaRPr lang="en-US" dirty="0"/>
-          </a:p>
-          <a:p>
-            <a:endParaRPr lang="en-IN" dirty="0"/>
-          </a:p>
-          <a:p>
-            <a:endParaRPr lang="en-IN" dirty="0"/>
+            <a:endParaRPr lang="en-US" sz="1800" dirty="0">
+              <a:latin typeface="Calibri" panose="020F0502020204030204" pitchFamily="34" charset="0"/>
+              <a:ea typeface="Calibri" panose="020F0502020204030204" pitchFamily="34" charset="0"/>
+              <a:cs typeface="Calibri" panose="020F0502020204030204" pitchFamily="34" charset="0"/>
+            </a:endParaRPr>
+          </a:p>
+          <a:p>
+            <a:pPr algn="l"/>
+            <a:endParaRPr lang="en-US" sz="1800" dirty="0">
+              <a:latin typeface="Calibri" panose="020F0502020204030204" pitchFamily="34" charset="0"/>
+              <a:ea typeface="Calibri" panose="020F0502020204030204" pitchFamily="34" charset="0"/>
+              <a:cs typeface="Calibri" panose="020F0502020204030204" pitchFamily="34" charset="0"/>
+            </a:endParaRPr>
+          </a:p>
+          <a:p>
+            <a:pPr algn="l"/>
+            <a:endParaRPr lang="en-US" sz="1800" dirty="0">
+              <a:latin typeface="Calibri" panose="020F0502020204030204" pitchFamily="34" charset="0"/>
+              <a:ea typeface="Calibri" panose="020F0502020204030204" pitchFamily="34" charset="0"/>
+              <a:cs typeface="Calibri" panose="020F0502020204030204" pitchFamily="34" charset="0"/>
+            </a:endParaRPr>
+          </a:p>
+          <a:p>
+            <a:endParaRPr lang="en-IN" sz="1800" dirty="0">
+              <a:latin typeface="Calibri" panose="020F0502020204030204" pitchFamily="34" charset="0"/>
+              <a:ea typeface="Calibri" panose="020F0502020204030204" pitchFamily="34" charset="0"/>
+              <a:cs typeface="Calibri" panose="020F0502020204030204" pitchFamily="34" charset="0"/>
+            </a:endParaRPr>
+          </a:p>
+          <a:p>
+            <a:endParaRPr lang="en-IN" sz="1800" dirty="0">
+              <a:latin typeface="Calibri" panose="020F0502020204030204" pitchFamily="34" charset="0"/>
+              <a:ea typeface="Calibri" panose="020F0502020204030204" pitchFamily="34" charset="0"/>
+              <a:cs typeface="Calibri" panose="020F0502020204030204" pitchFamily="34" charset="0"/>
+            </a:endParaRPr>
           </a:p>
         </p:txBody>
       </p:sp>
@@ -7394,8 +7699,8 @@
         </p:nvSpPr>
         <p:spPr bwMode="auto">
           <a:xfrm>
-            <a:off x="0" y="144612"/>
-            <a:ext cx="12191999" cy="7217360"/>
+            <a:off x="0" y="-880027"/>
+            <a:ext cx="12191999" cy="9266639"/>
           </a:xfrm>
           <a:prstGeom prst="rect">
             <a:avLst/>
@@ -7459,19 +7764,18 @@
               <a:buNone/>
               <a:tabLst/>
             </a:pPr>
-            <a:r>
-              <a:rPr kumimoji="0" lang="en-US" altLang="en-US" b="1" i="0" u="none" strike="noStrike" cap="none" normalizeH="0" baseline="0" dirty="0">
-                <a:ln>
-                  <a:noFill/>
-                </a:ln>
-                <a:solidFill>
-                  <a:schemeClr val="tx1"/>
-                </a:solidFill>
-                <a:effectLst/>
-                <a:latin typeface="Arial" panose="020B0604020202020204" pitchFamily="34" charset="0"/>
-              </a:rPr>
-              <a:t>3. Data Preprocessing</a:t>
-            </a:r>
+            <a:endParaRPr kumimoji="0" lang="en-US" altLang="en-US" sz="1500" b="1" i="0" u="none" strike="noStrike" cap="none" normalizeH="0" baseline="0" dirty="0">
+              <a:ln>
+                <a:noFill/>
+              </a:ln>
+              <a:solidFill>
+                <a:schemeClr val="tx1"/>
+              </a:solidFill>
+              <a:effectLst/>
+              <a:latin typeface="Calibri" panose="020F0502020204030204" pitchFamily="34" charset="0"/>
+              <a:ea typeface="Calibri" panose="020F0502020204030204" pitchFamily="34" charset="0"/>
+              <a:cs typeface="Calibri" panose="020F0502020204030204" pitchFamily="34" charset="0"/>
+            </a:endParaRPr>
           </a:p>
           <a:p>
             <a:pPr marL="0" marR="0" lvl="0" indent="0" algn="l" defTabSz="914400" rtl="0" eaLnBrk="0" fontAlgn="base" latinLnBrk="0" hangingPunct="0">
@@ -7490,28 +7794,11 @@
               <a:buNone/>
               <a:tabLst/>
             </a:pPr>
-            <a:r>
-              <a:rPr kumimoji="0" lang="en-US" altLang="en-US" b="0" i="0" u="none" strike="noStrike" cap="none" normalizeH="0" baseline="0" dirty="0">
-                <a:ln>
-                  <a:noFill/>
-                </a:ln>
-                <a:solidFill>
-                  <a:schemeClr val="tx1"/>
-                </a:solidFill>
-                <a:effectLst/>
-                <a:latin typeface="Arial" panose="020B0604020202020204" pitchFamily="34" charset="0"/>
-              </a:rPr>
-              <a:t>To prepare the data for modeling, several preprocessing steps were applied:</a:t>
-            </a:r>
-            <a:endParaRPr kumimoji="0" lang="en-US" altLang="en-US" b="1" i="0" u="none" strike="noStrike" cap="none" normalizeH="0" baseline="0" dirty="0">
-              <a:ln>
-                <a:noFill/>
-              </a:ln>
-              <a:solidFill>
-                <a:schemeClr val="tx1"/>
-              </a:solidFill>
+            <a:endParaRPr lang="en-US" altLang="en-US" sz="1500" b="1" dirty="0">
               <a:effectLst/>
-              <a:latin typeface="Arial" panose="020B0604020202020204" pitchFamily="34" charset="0"/>
+              <a:latin typeface="Calibri" panose="020F0502020204030204" pitchFamily="34" charset="0"/>
+              <a:ea typeface="Calibri" panose="020F0502020204030204" pitchFamily="34" charset="0"/>
+              <a:cs typeface="Calibri" panose="020F0502020204030204" pitchFamily="34" charset="0"/>
             </a:endParaRPr>
           </a:p>
           <a:p>
@@ -7531,19 +7818,120 @@
               <a:buNone/>
               <a:tabLst/>
             </a:pPr>
-            <a:r>
-              <a:rPr kumimoji="0" lang="en-US" altLang="en-US" b="1" i="0" u="none" strike="noStrike" cap="none" normalizeH="0" baseline="0" dirty="0">
-                <a:ln>
-                  <a:noFill/>
-                </a:ln>
-                <a:solidFill>
-                  <a:schemeClr val="tx1"/>
-                </a:solidFill>
+            <a:endParaRPr kumimoji="0" lang="en-US" altLang="en-US" sz="1500" b="1" i="0" u="none" strike="noStrike" cap="none" normalizeH="0" baseline="0" dirty="0">
+              <a:ln>
+                <a:noFill/>
+              </a:ln>
+              <a:solidFill>
+                <a:schemeClr val="tx1"/>
+              </a:solidFill>
+              <a:effectLst/>
+              <a:latin typeface="Calibri" panose="020F0502020204030204" pitchFamily="34" charset="0"/>
+              <a:ea typeface="Calibri" panose="020F0502020204030204" pitchFamily="34" charset="0"/>
+              <a:cs typeface="Calibri" panose="020F0502020204030204" pitchFamily="34" charset="0"/>
+            </a:endParaRPr>
+          </a:p>
+          <a:p>
+            <a:pPr marL="0" marR="0" lvl="0" indent="0" algn="l" defTabSz="914400" rtl="0" eaLnBrk="0" fontAlgn="base" latinLnBrk="0" hangingPunct="0">
+              <a:lnSpc>
+                <a:spcPct val="100000"/>
+              </a:lnSpc>
+              <a:spcBef>
+                <a:spcPct val="0"/>
+              </a:spcBef>
+              <a:spcAft>
+                <a:spcPct val="0"/>
+              </a:spcAft>
+              <a:buClrTx/>
+              <a:buSzTx/>
+              <a:buFontTx/>
+              <a:buNone/>
+              <a:tabLst/>
+            </a:pPr>
+            <a:endParaRPr lang="en-US" altLang="en-US" sz="1500" b="1" dirty="0">
+              <a:effectLst/>
+              <a:latin typeface="Calibri" panose="020F0502020204030204" pitchFamily="34" charset="0"/>
+              <a:ea typeface="Calibri" panose="020F0502020204030204" pitchFamily="34" charset="0"/>
+              <a:cs typeface="Calibri" panose="020F0502020204030204" pitchFamily="34" charset="0"/>
+            </a:endParaRPr>
+          </a:p>
+          <a:p>
+            <a:pPr marL="0" marR="0" lvl="0" indent="0" algn="l" defTabSz="914400" rtl="0" eaLnBrk="0" fontAlgn="base" latinLnBrk="0" hangingPunct="0">
+              <a:lnSpc>
+                <a:spcPct val="100000"/>
+              </a:lnSpc>
+              <a:spcBef>
+                <a:spcPct val="0"/>
+              </a:spcBef>
+              <a:spcAft>
+                <a:spcPct val="0"/>
+              </a:spcAft>
+              <a:buClrTx/>
+              <a:buSzTx/>
+              <a:buFontTx/>
+              <a:buNone/>
+              <a:tabLst/>
+            </a:pPr>
+            <a:endParaRPr kumimoji="0" lang="en-US" altLang="en-US" sz="1500" b="1" i="0" u="none" strike="noStrike" cap="none" normalizeH="0" baseline="0" dirty="0">
+              <a:ln>
+                <a:noFill/>
+              </a:ln>
+              <a:solidFill>
+                <a:schemeClr val="tx1"/>
+              </a:solidFill>
+              <a:effectLst/>
+              <a:latin typeface="Calibri" panose="020F0502020204030204" pitchFamily="34" charset="0"/>
+              <a:ea typeface="Calibri" panose="020F0502020204030204" pitchFamily="34" charset="0"/>
+              <a:cs typeface="Calibri" panose="020F0502020204030204" pitchFamily="34" charset="0"/>
+            </a:endParaRPr>
+          </a:p>
+          <a:p>
+            <a:pPr marL="0" marR="0" lvl="0" indent="0" algn="l" defTabSz="914400" rtl="0" eaLnBrk="0" fontAlgn="base" latinLnBrk="0" hangingPunct="0">
+              <a:lnSpc>
+                <a:spcPct val="100000"/>
+              </a:lnSpc>
+              <a:spcBef>
+                <a:spcPct val="0"/>
+              </a:spcBef>
+              <a:spcAft>
+                <a:spcPct val="0"/>
+              </a:spcAft>
+              <a:buClrTx/>
+              <a:buSzTx/>
+              <a:buFontTx/>
+              <a:buNone/>
+              <a:tabLst/>
+            </a:pPr>
+            <a:r>
+              <a:rPr lang="en-US" altLang="en-US" sz="1500" b="1" dirty="0">
                 <a:effectLst/>
-                <a:latin typeface="Arial" panose="020B0604020202020204" pitchFamily="34" charset="0"/>
+                <a:latin typeface="Calibri" panose="020F0502020204030204" pitchFamily="34" charset="0"/>
+                <a:ea typeface="Calibri" panose="020F0502020204030204" pitchFamily="34" charset="0"/>
+                <a:cs typeface="Calibri" panose="020F0502020204030204" pitchFamily="34" charset="0"/>
               </a:rPr>
-              <a:t>a. Feature Selection &amp; Removal</a:t>
-            </a:r>
+              <a:t>b. </a:t>
+            </a:r>
+            <a:r>
+              <a:rPr lang="en-US" altLang="en-US" sz="1500" b="1">
+                <a:effectLst/>
+                <a:latin typeface="Calibri" panose="020F0502020204030204" pitchFamily="34" charset="0"/>
+                <a:ea typeface="Calibri" panose="020F0502020204030204" pitchFamily="34" charset="0"/>
+                <a:cs typeface="Calibri" panose="020F0502020204030204" pitchFamily="34" charset="0"/>
+              </a:rPr>
+              <a:t>Handling  Missing Values</a:t>
+            </a:r>
+            <a:endParaRPr kumimoji="0" lang="en-US" altLang="en-US" sz="1500" b="1" i="0" u="none" strike="noStrike" cap="none" normalizeH="0" baseline="0" dirty="0">
+              <a:ln>
+                <a:noFill/>
+              </a:ln>
+              <a:solidFill>
+                <a:schemeClr val="tx1"/>
+              </a:solidFill>
+              <a:effectLst/>
+              <a:latin typeface="Calibri" panose="020F0502020204030204" pitchFamily="34" charset="0"/>
+              <a:ea typeface="Calibri" panose="020F0502020204030204" pitchFamily="34" charset="0"/>
+              <a:cs typeface="Calibri" panose="020F0502020204030204" pitchFamily="34" charset="0"/>
+            </a:endParaRPr>
           </a:p>
           <a:p>
             <a:pPr marL="0" marR="0" lvl="0" indent="0" algn="l" defTabSz="914400" rtl="0" eaLnBrk="0" fontAlgn="base" latinLnBrk="0" hangingPunct="0">
@@ -7563,7 +7951,7 @@
               <a:tabLst/>
             </a:pPr>
             <a:r>
-              <a:rPr kumimoji="0" lang="en-US" altLang="en-US" b="0" i="0" u="none" strike="noStrike" cap="none" normalizeH="0" baseline="0" dirty="0">
+              <a:rPr kumimoji="0" lang="en-US" altLang="en-US" sz="1500" b="0" i="0" u="none" strike="noStrike" cap="none" normalizeH="0" baseline="0" dirty="0">
                 <a:ln>
                   <a:noFill/>
                 </a:ln>
@@ -7571,9 +7959,302 @@
                   <a:schemeClr val="tx1"/>
                 </a:solidFill>
                 <a:effectLst/>
-                <a:latin typeface="Arial" panose="020B0604020202020204" pitchFamily="34" charset="0"/>
+                <a:latin typeface="Calibri" panose="020F0502020204030204" pitchFamily="34" charset="0"/>
+                <a:ea typeface="Calibri" panose="020F0502020204030204" pitchFamily="34" charset="0"/>
+                <a:cs typeface="Calibri" panose="020F0502020204030204" pitchFamily="34" charset="0"/>
               </a:rPr>
-              <a:t>Dropped columns that are not relevant or difficult to use directly for modeling:</a:t>
+              <a:t>Missing Age values were filled with the </a:t>
+            </a:r>
+            <a:r>
+              <a:rPr kumimoji="0" lang="en-US" altLang="en-US" sz="1500" b="1" i="0" u="none" strike="noStrike" cap="none" normalizeH="0" baseline="0" dirty="0">
+                <a:ln>
+                  <a:noFill/>
+                </a:ln>
+                <a:solidFill>
+                  <a:schemeClr val="tx1"/>
+                </a:solidFill>
+                <a:effectLst/>
+                <a:latin typeface="Calibri" panose="020F0502020204030204" pitchFamily="34" charset="0"/>
+                <a:ea typeface="Calibri" panose="020F0502020204030204" pitchFamily="34" charset="0"/>
+                <a:cs typeface="Calibri" panose="020F0502020204030204" pitchFamily="34" charset="0"/>
+              </a:rPr>
+              <a:t>median age</a:t>
+            </a:r>
+            <a:r>
+              <a:rPr kumimoji="0" lang="en-US" altLang="en-US" sz="1500" b="0" i="0" u="none" strike="noStrike" cap="none" normalizeH="0" baseline="0" dirty="0">
+                <a:ln>
+                  <a:noFill/>
+                </a:ln>
+                <a:solidFill>
+                  <a:schemeClr val="tx1"/>
+                </a:solidFill>
+                <a:effectLst/>
+                <a:latin typeface="Calibri" panose="020F0502020204030204" pitchFamily="34" charset="0"/>
+                <a:ea typeface="Calibri" panose="020F0502020204030204" pitchFamily="34" charset="0"/>
+                <a:cs typeface="Calibri" panose="020F0502020204030204" pitchFamily="34" charset="0"/>
+              </a:rPr>
+              <a:t>.</a:t>
+            </a:r>
+          </a:p>
+          <a:p>
+            <a:pPr marL="0" marR="0" lvl="0" indent="0" algn="l" defTabSz="914400" rtl="0" eaLnBrk="0" fontAlgn="base" latinLnBrk="0" hangingPunct="0">
+              <a:lnSpc>
+                <a:spcPct val="100000"/>
+              </a:lnSpc>
+              <a:spcBef>
+                <a:spcPct val="0"/>
+              </a:spcBef>
+              <a:spcAft>
+                <a:spcPct val="0"/>
+              </a:spcAft>
+              <a:buClrTx/>
+              <a:buSzTx/>
+              <a:buFontTx/>
+              <a:buChar char="•"/>
+              <a:tabLst/>
+            </a:pPr>
+            <a:r>
+              <a:rPr kumimoji="0" lang="en-US" altLang="en-US" sz="1500" b="0" i="0" u="none" strike="noStrike" cap="none" normalizeH="0" baseline="0" dirty="0">
+                <a:ln>
+                  <a:noFill/>
+                </a:ln>
+                <a:solidFill>
+                  <a:schemeClr val="tx1"/>
+                </a:solidFill>
+                <a:effectLst/>
+                <a:latin typeface="Calibri" panose="020F0502020204030204" pitchFamily="34" charset="0"/>
+                <a:ea typeface="Calibri" panose="020F0502020204030204" pitchFamily="34" charset="0"/>
+                <a:cs typeface="Calibri" panose="020F0502020204030204" pitchFamily="34" charset="0"/>
+              </a:rPr>
+              <a:t>Missing Embarked values were filled with the </a:t>
+            </a:r>
+            <a:r>
+              <a:rPr kumimoji="0" lang="en-US" altLang="en-US" sz="1500" b="1" i="0" u="none" strike="noStrike" cap="none" normalizeH="0" baseline="0" dirty="0">
+                <a:ln>
+                  <a:noFill/>
+                </a:ln>
+                <a:solidFill>
+                  <a:schemeClr val="tx1"/>
+                </a:solidFill>
+                <a:effectLst/>
+                <a:latin typeface="Calibri" panose="020F0502020204030204" pitchFamily="34" charset="0"/>
+                <a:ea typeface="Calibri" panose="020F0502020204030204" pitchFamily="34" charset="0"/>
+                <a:cs typeface="Calibri" panose="020F0502020204030204" pitchFamily="34" charset="0"/>
+              </a:rPr>
+              <a:t>most frequent port</a:t>
+            </a:r>
+            <a:r>
+              <a:rPr kumimoji="0" lang="en-US" altLang="en-US" sz="1500" b="0" i="0" u="none" strike="noStrike" cap="none" normalizeH="0" baseline="0" dirty="0">
+                <a:ln>
+                  <a:noFill/>
+                </a:ln>
+                <a:solidFill>
+                  <a:schemeClr val="tx1"/>
+                </a:solidFill>
+                <a:effectLst/>
+                <a:latin typeface="Calibri" panose="020F0502020204030204" pitchFamily="34" charset="0"/>
+                <a:ea typeface="Calibri" panose="020F0502020204030204" pitchFamily="34" charset="0"/>
+                <a:cs typeface="Calibri" panose="020F0502020204030204" pitchFamily="34" charset="0"/>
+              </a:rPr>
+              <a:t>.</a:t>
+            </a:r>
+          </a:p>
+          <a:p>
+            <a:pPr marL="0" marR="0" lvl="0" indent="0" algn="l" defTabSz="914400" rtl="0" eaLnBrk="0" fontAlgn="base" latinLnBrk="0" hangingPunct="0">
+              <a:lnSpc>
+                <a:spcPct val="100000"/>
+              </a:lnSpc>
+              <a:spcBef>
+                <a:spcPct val="0"/>
+              </a:spcBef>
+              <a:spcAft>
+                <a:spcPct val="0"/>
+              </a:spcAft>
+              <a:buClrTx/>
+              <a:buSzTx/>
+              <a:buFontTx/>
+              <a:buChar char="•"/>
+              <a:tabLst/>
+            </a:pPr>
+            <a:r>
+              <a:rPr kumimoji="0" lang="en-US" altLang="en-US" sz="1500" b="0" i="0" u="none" strike="noStrike" cap="none" normalizeH="0" baseline="0" dirty="0">
+                <a:ln>
+                  <a:noFill/>
+                </a:ln>
+                <a:solidFill>
+                  <a:schemeClr val="tx1"/>
+                </a:solidFill>
+                <a:effectLst/>
+                <a:latin typeface="Calibri" panose="020F0502020204030204" pitchFamily="34" charset="0"/>
+                <a:ea typeface="Calibri" panose="020F0502020204030204" pitchFamily="34" charset="0"/>
+                <a:cs typeface="Calibri" panose="020F0502020204030204" pitchFamily="34" charset="0"/>
+              </a:rPr>
+              <a:t>Missing Fare values in the test set were filled with the </a:t>
+            </a:r>
+            <a:r>
+              <a:rPr kumimoji="0" lang="en-US" altLang="en-US" sz="1500" b="1" i="0" u="none" strike="noStrike" cap="none" normalizeH="0" baseline="0" dirty="0">
+                <a:ln>
+                  <a:noFill/>
+                </a:ln>
+                <a:solidFill>
+                  <a:schemeClr val="tx1"/>
+                </a:solidFill>
+                <a:effectLst/>
+                <a:latin typeface="Calibri" panose="020F0502020204030204" pitchFamily="34" charset="0"/>
+                <a:ea typeface="Calibri" panose="020F0502020204030204" pitchFamily="34" charset="0"/>
+                <a:cs typeface="Calibri" panose="020F0502020204030204" pitchFamily="34" charset="0"/>
+              </a:rPr>
+              <a:t>median fare</a:t>
+            </a:r>
+            <a:r>
+              <a:rPr kumimoji="0" lang="en-US" altLang="en-US" sz="1500" b="0" i="0" u="none" strike="noStrike" cap="none" normalizeH="0" baseline="0" dirty="0">
+                <a:ln>
+                  <a:noFill/>
+                </a:ln>
+                <a:solidFill>
+                  <a:schemeClr val="tx1"/>
+                </a:solidFill>
+                <a:effectLst/>
+                <a:latin typeface="Calibri" panose="020F0502020204030204" pitchFamily="34" charset="0"/>
+                <a:ea typeface="Calibri" panose="020F0502020204030204" pitchFamily="34" charset="0"/>
+                <a:cs typeface="Calibri" panose="020F0502020204030204" pitchFamily="34" charset="0"/>
+              </a:rPr>
+              <a:t>.</a:t>
+            </a:r>
+          </a:p>
+          <a:p>
+            <a:pPr marL="0" marR="0" lvl="0" indent="0" algn="l" defTabSz="914400" rtl="0" eaLnBrk="0" fontAlgn="base" latinLnBrk="0" hangingPunct="0">
+              <a:lnSpc>
+                <a:spcPct val="100000"/>
+              </a:lnSpc>
+              <a:spcBef>
+                <a:spcPct val="0"/>
+              </a:spcBef>
+              <a:spcAft>
+                <a:spcPct val="0"/>
+              </a:spcAft>
+              <a:buClrTx/>
+              <a:buSzTx/>
+              <a:buFontTx/>
+              <a:buNone/>
+              <a:tabLst/>
+            </a:pPr>
+            <a:endParaRPr kumimoji="0" lang="en-US" altLang="en-US" sz="1500" b="1" i="0" u="none" strike="noStrike" cap="none" normalizeH="0" baseline="0" dirty="0">
+              <a:ln>
+                <a:noFill/>
+              </a:ln>
+              <a:solidFill>
+                <a:schemeClr val="tx1"/>
+              </a:solidFill>
+              <a:effectLst/>
+              <a:latin typeface="Calibri" panose="020F0502020204030204" pitchFamily="34" charset="0"/>
+              <a:ea typeface="Calibri" panose="020F0502020204030204" pitchFamily="34" charset="0"/>
+              <a:cs typeface="Calibri" panose="020F0502020204030204" pitchFamily="34" charset="0"/>
+            </a:endParaRPr>
+          </a:p>
+          <a:p>
+            <a:pPr marL="0" marR="0" lvl="0" indent="0" algn="l" defTabSz="914400" rtl="0" eaLnBrk="0" fontAlgn="base" latinLnBrk="0" hangingPunct="0">
+              <a:lnSpc>
+                <a:spcPct val="100000"/>
+              </a:lnSpc>
+              <a:spcBef>
+                <a:spcPct val="0"/>
+              </a:spcBef>
+              <a:spcAft>
+                <a:spcPct val="0"/>
+              </a:spcAft>
+              <a:buClrTx/>
+              <a:buSzTx/>
+              <a:buFontTx/>
+              <a:buNone/>
+              <a:tabLst/>
+            </a:pPr>
+            <a:r>
+              <a:rPr lang="en-US" altLang="en-US" sz="1500" b="1" dirty="0">
+                <a:effectLst/>
+                <a:latin typeface="Calibri" panose="020F0502020204030204" pitchFamily="34" charset="0"/>
+                <a:ea typeface="Calibri" panose="020F0502020204030204" pitchFamily="34" charset="0"/>
+                <a:cs typeface="Calibri" panose="020F0502020204030204" pitchFamily="34" charset="0"/>
+              </a:rPr>
+              <a:t>b</a:t>
+            </a:r>
+            <a:r>
+              <a:rPr kumimoji="0" lang="en-US" altLang="en-US" sz="1500" b="1" i="0" u="none" strike="noStrike" cap="none" normalizeH="0" baseline="0" dirty="0">
+                <a:ln>
+                  <a:noFill/>
+                </a:ln>
+                <a:solidFill>
+                  <a:schemeClr val="tx1"/>
+                </a:solidFill>
+                <a:effectLst/>
+                <a:latin typeface="Calibri" panose="020F0502020204030204" pitchFamily="34" charset="0"/>
+                <a:ea typeface="Calibri" panose="020F0502020204030204" pitchFamily="34" charset="0"/>
+                <a:cs typeface="Calibri" panose="020F0502020204030204" pitchFamily="34" charset="0"/>
+              </a:rPr>
+              <a:t>. Encoding Categorical Variables</a:t>
+            </a:r>
+          </a:p>
+          <a:p>
+            <a:pPr marL="0" marR="0" lvl="0" indent="0" algn="l" defTabSz="914400" rtl="0" eaLnBrk="0" fontAlgn="base" latinLnBrk="0" hangingPunct="0">
+              <a:lnSpc>
+                <a:spcPct val="100000"/>
+              </a:lnSpc>
+              <a:spcBef>
+                <a:spcPct val="0"/>
+              </a:spcBef>
+              <a:spcAft>
+                <a:spcPct val="0"/>
+              </a:spcAft>
+              <a:buClrTx/>
+              <a:buSzTx/>
+              <a:buFontTx/>
+              <a:buChar char="•"/>
+              <a:tabLst/>
+            </a:pPr>
+            <a:r>
+              <a:rPr kumimoji="0" lang="en-US" altLang="en-US" sz="1500" b="0" i="0" u="none" strike="noStrike" cap="none" normalizeH="0" baseline="0" dirty="0">
+                <a:ln>
+                  <a:noFill/>
+                </a:ln>
+                <a:solidFill>
+                  <a:schemeClr val="tx1"/>
+                </a:solidFill>
+                <a:effectLst/>
+                <a:latin typeface="Calibri" panose="020F0502020204030204" pitchFamily="34" charset="0"/>
+                <a:ea typeface="Calibri" panose="020F0502020204030204" pitchFamily="34" charset="0"/>
+                <a:cs typeface="Calibri" panose="020F0502020204030204" pitchFamily="34" charset="0"/>
+              </a:rPr>
+              <a:t>Used </a:t>
+            </a:r>
+            <a:r>
+              <a:rPr kumimoji="0" lang="en-US" altLang="en-US" sz="1500" b="1" i="0" u="none" strike="noStrike" cap="none" normalizeH="0" baseline="0" dirty="0">
+                <a:ln>
+                  <a:noFill/>
+                </a:ln>
+                <a:solidFill>
+                  <a:schemeClr val="tx1"/>
+                </a:solidFill>
+                <a:effectLst/>
+                <a:latin typeface="Calibri" panose="020F0502020204030204" pitchFamily="34" charset="0"/>
+                <a:ea typeface="Calibri" panose="020F0502020204030204" pitchFamily="34" charset="0"/>
+                <a:cs typeface="Calibri" panose="020F0502020204030204" pitchFamily="34" charset="0"/>
+              </a:rPr>
+              <a:t>one-hot encoding</a:t>
+            </a:r>
+            <a:r>
+              <a:rPr kumimoji="0" lang="en-US" altLang="en-US" sz="1500" b="0" i="0" u="none" strike="noStrike" cap="none" normalizeH="0" baseline="0" dirty="0">
+                <a:ln>
+                  <a:noFill/>
+                </a:ln>
+                <a:solidFill>
+                  <a:schemeClr val="tx1"/>
+                </a:solidFill>
+                <a:effectLst/>
+                <a:latin typeface="Calibri" panose="020F0502020204030204" pitchFamily="34" charset="0"/>
+                <a:ea typeface="Calibri" panose="020F0502020204030204" pitchFamily="34" charset="0"/>
+                <a:cs typeface="Calibri" panose="020F0502020204030204" pitchFamily="34" charset="0"/>
+              </a:rPr>
+              <a:t> to convert categorical variables into numerical format:</a:t>
             </a:r>
           </a:p>
           <a:p>
@@ -7594,7 +8275,7 @@
               <a:tabLst/>
             </a:pPr>
             <a:r>
-              <a:rPr kumimoji="0" lang="en-US" altLang="en-US" b="0" i="0" u="none" strike="noStrike" cap="none" normalizeH="0" baseline="0" dirty="0">
+              <a:rPr kumimoji="0" lang="en-US" altLang="en-US" sz="1500" b="0" i="0" u="none" strike="noStrike" cap="none" normalizeH="0" baseline="0" dirty="0">
                 <a:ln>
                   <a:noFill/>
                 </a:ln>
@@ -7602,12 +8283,14 @@
                   <a:schemeClr val="tx1"/>
                 </a:solidFill>
                 <a:effectLst/>
-                <a:latin typeface="Arial Unicode MS"/>
+                <a:latin typeface="Calibri" panose="020F0502020204030204" pitchFamily="34" charset="0"/>
+                <a:ea typeface="Calibri" panose="020F0502020204030204" pitchFamily="34" charset="0"/>
+                <a:cs typeface="Calibri" panose="020F0502020204030204" pitchFamily="34" charset="0"/>
               </a:rPr>
-              <a:t>Name</a:t>
-            </a:r>
-            <a:r>
-              <a:rPr kumimoji="0" lang="en-US" altLang="en-US" b="0" i="0" u="none" strike="noStrike" cap="none" normalizeH="0" baseline="0" dirty="0">
+              <a:t>Sex: Converted into </a:t>
+            </a:r>
+            <a:r>
+              <a:rPr kumimoji="0" lang="en-US" altLang="en-US" sz="1500" b="0" i="0" u="none" strike="noStrike" cap="none" normalizeH="0" baseline="0" dirty="0" err="1">
                 <a:ln>
                   <a:noFill/>
                 </a:ln>
@@ -7615,11 +8298,14 @@
                   <a:schemeClr val="tx1"/>
                 </a:solidFill>
                 <a:effectLst/>
+                <a:latin typeface="Calibri" panose="020F0502020204030204" pitchFamily="34" charset="0"/>
+                <a:ea typeface="Calibri" panose="020F0502020204030204" pitchFamily="34" charset="0"/>
+                <a:cs typeface="Calibri" panose="020F0502020204030204" pitchFamily="34" charset="0"/>
               </a:rPr>
-              <a:t>, </a:t>
-            </a:r>
-            <a:r>
-              <a:rPr kumimoji="0" lang="en-US" altLang="en-US" b="0" i="0" u="none" strike="noStrike" cap="none" normalizeH="0" baseline="0" dirty="0">
+              <a:t>Sex_male</a:t>
+            </a:r>
+            <a:r>
+              <a:rPr kumimoji="0" lang="en-US" altLang="en-US" sz="1500" b="0" i="0" u="none" strike="noStrike" cap="none" normalizeH="0" baseline="0" dirty="0">
                 <a:ln>
                   <a:noFill/>
                 </a:ln>
@@ -7627,57 +8313,12 @@
                   <a:schemeClr val="tx1"/>
                 </a:solidFill>
                 <a:effectLst/>
-                <a:latin typeface="Arial Unicode MS"/>
+                <a:latin typeface="Calibri" panose="020F0502020204030204" pitchFamily="34" charset="0"/>
+                <a:ea typeface="Calibri" panose="020F0502020204030204" pitchFamily="34" charset="0"/>
+                <a:cs typeface="Calibri" panose="020F0502020204030204" pitchFamily="34" charset="0"/>
               </a:rPr>
-              <a:t>Ticket</a:t>
-            </a:r>
-            <a:r>
-              <a:rPr kumimoji="0" lang="en-US" altLang="en-US" b="0" i="0" u="none" strike="noStrike" cap="none" normalizeH="0" baseline="0" dirty="0">
-                <a:ln>
-                  <a:noFill/>
-                </a:ln>
-                <a:solidFill>
-                  <a:schemeClr val="tx1"/>
-                </a:solidFill>
-                <a:effectLst/>
-              </a:rPr>
-              <a:t>, and </a:t>
-            </a:r>
-            <a:r>
-              <a:rPr kumimoji="0" lang="en-US" altLang="en-US" b="0" i="0" u="none" strike="noStrike" cap="none" normalizeH="0" baseline="0" dirty="0">
-                <a:ln>
-                  <a:noFill/>
-                </a:ln>
-                <a:solidFill>
-                  <a:schemeClr val="tx1"/>
-                </a:solidFill>
-                <a:effectLst/>
-                <a:latin typeface="Arial Unicode MS"/>
-              </a:rPr>
-              <a:t>Cabin</a:t>
-            </a:r>
-            <a:r>
-              <a:rPr kumimoji="0" lang="en-US" altLang="en-US" b="0" i="0" u="none" strike="noStrike" cap="none" normalizeH="0" baseline="0" dirty="0">
-                <a:ln>
-                  <a:noFill/>
-                </a:ln>
-                <a:solidFill>
-                  <a:schemeClr val="tx1"/>
-                </a:solidFill>
-                <a:effectLst/>
-              </a:rPr>
-              <a:t> due to high cardinality or missing data.</a:t>
-            </a:r>
-            <a:endParaRPr kumimoji="0" lang="en-US" altLang="en-US" b="0" i="0" u="none" strike="noStrike" cap="none" normalizeH="0" baseline="0" dirty="0">
-              <a:ln>
-                <a:noFill/>
-              </a:ln>
-              <a:solidFill>
-                <a:schemeClr val="tx1"/>
-              </a:solidFill>
-              <a:effectLst/>
-              <a:latin typeface="Arial" panose="020B0604020202020204" pitchFamily="34" charset="0"/>
-            </a:endParaRPr>
+              <a:t> (binary).</a:t>
+            </a:r>
           </a:p>
           <a:p>
             <a:pPr marL="457200" marR="0" lvl="1" indent="0" algn="l" defTabSz="914400" rtl="0" eaLnBrk="0" fontAlgn="base" latinLnBrk="0" hangingPunct="0">
@@ -7697,7 +8338,7 @@
               <a:tabLst/>
             </a:pPr>
             <a:r>
-              <a:rPr kumimoji="0" lang="en-US" altLang="en-US" b="0" i="0" u="none" strike="noStrike" cap="none" normalizeH="0" baseline="0" dirty="0">
+              <a:rPr kumimoji="0" lang="en-US" altLang="en-US" sz="1500" b="0" i="0" u="none" strike="noStrike" cap="none" normalizeH="0" baseline="0" dirty="0">
                 <a:ln>
                   <a:noFill/>
                 </a:ln>
@@ -7705,12 +8346,14 @@
                   <a:schemeClr val="tx1"/>
                 </a:solidFill>
                 <a:effectLst/>
-                <a:latin typeface="Arial Unicode MS"/>
+                <a:latin typeface="Calibri" panose="020F0502020204030204" pitchFamily="34" charset="0"/>
+                <a:ea typeface="Calibri" panose="020F0502020204030204" pitchFamily="34" charset="0"/>
+                <a:cs typeface="Calibri" panose="020F0502020204030204" pitchFamily="34" charset="0"/>
               </a:rPr>
-              <a:t>PassengerId</a:t>
-            </a:r>
-            <a:r>
-              <a:rPr kumimoji="0" lang="en-US" altLang="en-US" b="0" i="0" u="none" strike="noStrike" cap="none" normalizeH="0" baseline="0" dirty="0">
+              <a:t>Embarked: Converted into </a:t>
+            </a:r>
+            <a:r>
+              <a:rPr kumimoji="0" lang="en-US" altLang="en-US" sz="1500" b="0" i="0" u="none" strike="noStrike" cap="none" normalizeH="0" baseline="0" dirty="0" err="1">
                 <a:ln>
                   <a:noFill/>
                 </a:ln>
@@ -7718,67 +8361,14 @@
                   <a:schemeClr val="tx1"/>
                 </a:solidFill>
                 <a:effectLst/>
+                <a:latin typeface="Calibri" panose="020F0502020204030204" pitchFamily="34" charset="0"/>
+                <a:ea typeface="Calibri" panose="020F0502020204030204" pitchFamily="34" charset="0"/>
+                <a:cs typeface="Calibri" panose="020F0502020204030204" pitchFamily="34" charset="0"/>
               </a:rPr>
-              <a:t> was retained only for submission purposes.</a:t>
-            </a:r>
-            <a:endParaRPr kumimoji="0" lang="en-US" altLang="en-US" b="0" i="0" u="none" strike="noStrike" cap="none" normalizeH="0" baseline="0" dirty="0">
-              <a:ln>
-                <a:noFill/>
-              </a:ln>
-              <a:solidFill>
-                <a:schemeClr val="tx1"/>
-              </a:solidFill>
-              <a:effectLst/>
-              <a:latin typeface="Arial" panose="020B0604020202020204" pitchFamily="34" charset="0"/>
-            </a:endParaRPr>
-          </a:p>
-          <a:p>
-            <a:pPr marL="0" marR="0" lvl="0" indent="0" algn="l" defTabSz="914400" rtl="0" eaLnBrk="0" fontAlgn="base" latinLnBrk="0" hangingPunct="0">
-              <a:lnSpc>
-                <a:spcPct val="100000"/>
-              </a:lnSpc>
-              <a:spcBef>
-                <a:spcPct val="0"/>
-              </a:spcBef>
-              <a:spcAft>
-                <a:spcPct val="0"/>
-              </a:spcAft>
-              <a:buClrTx/>
-              <a:buSzTx/>
-              <a:buFontTx/>
-              <a:buNone/>
-              <a:tabLst/>
-            </a:pPr>
-            <a:endParaRPr kumimoji="0" lang="en-US" altLang="en-US" b="1" i="0" u="none" strike="noStrike" cap="none" normalizeH="0" baseline="0" dirty="0">
-              <a:ln>
-                <a:noFill/>
-              </a:ln>
-              <a:solidFill>
-                <a:schemeClr val="tx1"/>
-              </a:solidFill>
-              <a:effectLst/>
-              <a:latin typeface="Arial" panose="020B0604020202020204" pitchFamily="34" charset="0"/>
-            </a:endParaRPr>
-          </a:p>
-          <a:p>
-            <a:pPr marL="0" marR="0" lvl="0" indent="0" algn="l" defTabSz="914400" rtl="0" eaLnBrk="0" fontAlgn="base" latinLnBrk="0" hangingPunct="0">
-              <a:lnSpc>
-                <a:spcPct val="100000"/>
-              </a:lnSpc>
-              <a:spcBef>
-                <a:spcPct val="0"/>
-              </a:spcBef>
-              <a:spcAft>
-                <a:spcPct val="0"/>
-              </a:spcAft>
-              <a:buClrTx/>
-              <a:buSzTx/>
-              <a:buFontTx/>
-              <a:buNone/>
-              <a:tabLst/>
-            </a:pPr>
-            <a:r>
-              <a:rPr kumimoji="0" lang="en-US" altLang="en-US" b="1" i="0" u="none" strike="noStrike" cap="none" normalizeH="0" baseline="0" dirty="0">
+              <a:t>Embarked_Q</a:t>
+            </a:r>
+            <a:r>
+              <a:rPr kumimoji="0" lang="en-US" altLang="en-US" sz="1500" b="0" i="0" u="none" strike="noStrike" cap="none" normalizeH="0" baseline="0" dirty="0">
                 <a:ln>
                   <a:noFill/>
                 </a:ln>
@@ -7786,30 +8376,14 @@
                   <a:schemeClr val="tx1"/>
                 </a:solidFill>
                 <a:effectLst/>
-                <a:latin typeface="Arial" panose="020B0604020202020204" pitchFamily="34" charset="0"/>
+                <a:latin typeface="Calibri" panose="020F0502020204030204" pitchFamily="34" charset="0"/>
+                <a:ea typeface="Calibri" panose="020F0502020204030204" pitchFamily="34" charset="0"/>
+                <a:cs typeface="Calibri" panose="020F0502020204030204" pitchFamily="34" charset="0"/>
               </a:rPr>
-              <a:t>b. Handling Missing Values</a:t>
-            </a:r>
-          </a:p>
-          <a:p>
-            <a:pPr marL="0" marR="0" lvl="0" indent="0" algn="l" defTabSz="914400" rtl="0" eaLnBrk="0" fontAlgn="base" latinLnBrk="0" hangingPunct="0">
-              <a:lnSpc>
-                <a:spcPct val="100000"/>
-              </a:lnSpc>
-              <a:spcBef>
-                <a:spcPct val="0"/>
-              </a:spcBef>
-              <a:spcAft>
-                <a:spcPct val="0"/>
-              </a:spcAft>
-              <a:buClrTx/>
-              <a:buSzTx/>
-              <a:buFontTx/>
-              <a:buChar char="•"/>
-              <a:tabLst/>
-            </a:pPr>
-            <a:r>
-              <a:rPr kumimoji="0" lang="en-US" altLang="en-US" b="0" i="0" u="none" strike="noStrike" cap="none" normalizeH="0" baseline="0" dirty="0">
+              <a:t> and </a:t>
+            </a:r>
+            <a:r>
+              <a:rPr kumimoji="0" lang="en-US" altLang="en-US" sz="1500" b="0" i="0" u="none" strike="noStrike" cap="none" normalizeH="0" baseline="0" dirty="0" err="1">
                 <a:ln>
                   <a:noFill/>
                 </a:ln>
@@ -7817,12 +8391,14 @@
                   <a:schemeClr val="tx1"/>
                 </a:solidFill>
                 <a:effectLst/>
-                <a:latin typeface="Arial" panose="020B0604020202020204" pitchFamily="34" charset="0"/>
+                <a:latin typeface="Calibri" panose="020F0502020204030204" pitchFamily="34" charset="0"/>
+                <a:ea typeface="Calibri" panose="020F0502020204030204" pitchFamily="34" charset="0"/>
+                <a:cs typeface="Calibri" panose="020F0502020204030204" pitchFamily="34" charset="0"/>
               </a:rPr>
-              <a:t>Missing </a:t>
-            </a:r>
-            <a:r>
-              <a:rPr kumimoji="0" lang="en-US" altLang="en-US" b="0" i="0" u="none" strike="noStrike" cap="none" normalizeH="0" baseline="0" dirty="0">
+              <a:t>Embarked_S</a:t>
+            </a:r>
+            <a:r>
+              <a:rPr kumimoji="0" lang="en-US" altLang="en-US" sz="1500" b="0" i="0" u="none" strike="noStrike" cap="none" normalizeH="0" baseline="0" dirty="0">
                 <a:ln>
                   <a:noFill/>
                 </a:ln>
@@ -7830,511 +8406,31 @@
                   <a:schemeClr val="tx1"/>
                 </a:solidFill>
                 <a:effectLst/>
-                <a:latin typeface="Arial Unicode MS"/>
-              </a:rPr>
-              <a:t>Age</a:t>
-            </a:r>
-            <a:r>
-              <a:rPr kumimoji="0" lang="en-US" altLang="en-US" b="0" i="0" u="none" strike="noStrike" cap="none" normalizeH="0" baseline="0" dirty="0">
-                <a:ln>
-                  <a:noFill/>
-                </a:ln>
-                <a:solidFill>
-                  <a:schemeClr val="tx1"/>
-                </a:solidFill>
-                <a:effectLst/>
-              </a:rPr>
-              <a:t> values were filled with the </a:t>
-            </a:r>
-            <a:r>
-              <a:rPr kumimoji="0" lang="en-US" altLang="en-US" b="1" i="0" u="none" strike="noStrike" cap="none" normalizeH="0" baseline="0" dirty="0">
-                <a:ln>
-                  <a:noFill/>
-                </a:ln>
-                <a:solidFill>
-                  <a:schemeClr val="tx1"/>
-                </a:solidFill>
-                <a:effectLst/>
-                <a:latin typeface="Arial" panose="020B0604020202020204" pitchFamily="34" charset="0"/>
-              </a:rPr>
-              <a:t>median age</a:t>
-            </a:r>
-            <a:r>
-              <a:rPr kumimoji="0" lang="en-US" altLang="en-US" b="0" i="0" u="none" strike="noStrike" cap="none" normalizeH="0" baseline="0" dirty="0">
-                <a:ln>
-                  <a:noFill/>
-                </a:ln>
-                <a:solidFill>
-                  <a:schemeClr val="tx1"/>
-                </a:solidFill>
-                <a:effectLst/>
-                <a:latin typeface="Arial" panose="020B0604020202020204" pitchFamily="34" charset="0"/>
+                <a:latin typeface="Calibri" panose="020F0502020204030204" pitchFamily="34" charset="0"/>
+                <a:ea typeface="Calibri" panose="020F0502020204030204" pitchFamily="34" charset="0"/>
+                <a:cs typeface="Calibri" panose="020F0502020204030204" pitchFamily="34" charset="0"/>
               </a:rPr>
               <a:t>.</a:t>
             </a:r>
-          </a:p>
-          <a:p>
-            <a:pPr marL="0" marR="0" lvl="0" indent="0" algn="l" defTabSz="914400" rtl="0" eaLnBrk="0" fontAlgn="base" latinLnBrk="0" hangingPunct="0">
-              <a:lnSpc>
-                <a:spcPct val="100000"/>
-              </a:lnSpc>
-              <a:spcBef>
-                <a:spcPct val="0"/>
-              </a:spcBef>
-              <a:spcAft>
-                <a:spcPct val="0"/>
-              </a:spcAft>
-              <a:buClrTx/>
-              <a:buSzTx/>
-              <a:buFontTx/>
-              <a:buChar char="•"/>
-              <a:tabLst/>
-            </a:pPr>
-            <a:r>
-              <a:rPr kumimoji="0" lang="en-US" altLang="en-US" b="0" i="0" u="none" strike="noStrike" cap="none" normalizeH="0" baseline="0" dirty="0">
-                <a:ln>
-                  <a:noFill/>
-                </a:ln>
-                <a:solidFill>
-                  <a:schemeClr val="tx1"/>
-                </a:solidFill>
-                <a:effectLst/>
-                <a:latin typeface="Arial" panose="020B0604020202020204" pitchFamily="34" charset="0"/>
-              </a:rPr>
-              <a:t>Missing </a:t>
-            </a:r>
-            <a:r>
-              <a:rPr kumimoji="0" lang="en-US" altLang="en-US" b="0" i="0" u="none" strike="noStrike" cap="none" normalizeH="0" baseline="0" dirty="0">
-                <a:ln>
-                  <a:noFill/>
-                </a:ln>
-                <a:solidFill>
-                  <a:schemeClr val="tx1"/>
-                </a:solidFill>
-                <a:effectLst/>
-                <a:latin typeface="Arial Unicode MS"/>
-              </a:rPr>
-              <a:t>Embarked</a:t>
-            </a:r>
-            <a:r>
-              <a:rPr kumimoji="0" lang="en-US" altLang="en-US" b="0" i="0" u="none" strike="noStrike" cap="none" normalizeH="0" baseline="0" dirty="0">
-                <a:ln>
-                  <a:noFill/>
-                </a:ln>
-                <a:solidFill>
-                  <a:schemeClr val="tx1"/>
-                </a:solidFill>
-                <a:effectLst/>
-              </a:rPr>
-              <a:t> values were filled with the </a:t>
-            </a:r>
-            <a:r>
-              <a:rPr kumimoji="0" lang="en-US" altLang="en-US" b="1" i="0" u="none" strike="noStrike" cap="none" normalizeH="0" baseline="0" dirty="0">
-                <a:ln>
-                  <a:noFill/>
-                </a:ln>
-                <a:solidFill>
-                  <a:schemeClr val="tx1"/>
-                </a:solidFill>
-                <a:effectLst/>
-                <a:latin typeface="Arial" panose="020B0604020202020204" pitchFamily="34" charset="0"/>
-              </a:rPr>
-              <a:t>most frequent port</a:t>
-            </a:r>
-            <a:r>
-              <a:rPr kumimoji="0" lang="en-US" altLang="en-US" b="0" i="0" u="none" strike="noStrike" cap="none" normalizeH="0" baseline="0" dirty="0">
-                <a:ln>
-                  <a:noFill/>
-                </a:ln>
-                <a:solidFill>
-                  <a:schemeClr val="tx1"/>
-                </a:solidFill>
-                <a:effectLst/>
-                <a:latin typeface="Arial" panose="020B0604020202020204" pitchFamily="34" charset="0"/>
-              </a:rPr>
-              <a:t>.</a:t>
-            </a:r>
-          </a:p>
-          <a:p>
-            <a:pPr marL="0" marR="0" lvl="0" indent="0" algn="l" defTabSz="914400" rtl="0" eaLnBrk="0" fontAlgn="base" latinLnBrk="0" hangingPunct="0">
-              <a:lnSpc>
-                <a:spcPct val="100000"/>
-              </a:lnSpc>
-              <a:spcBef>
-                <a:spcPct val="0"/>
-              </a:spcBef>
-              <a:spcAft>
-                <a:spcPct val="0"/>
-              </a:spcAft>
-              <a:buClrTx/>
-              <a:buSzTx/>
-              <a:buFontTx/>
-              <a:buChar char="•"/>
-              <a:tabLst/>
-            </a:pPr>
-            <a:r>
-              <a:rPr kumimoji="0" lang="en-US" altLang="en-US" b="0" i="0" u="none" strike="noStrike" cap="none" normalizeH="0" baseline="0" dirty="0">
-                <a:ln>
-                  <a:noFill/>
-                </a:ln>
-                <a:solidFill>
-                  <a:schemeClr val="tx1"/>
-                </a:solidFill>
-                <a:effectLst/>
-                <a:latin typeface="Arial" panose="020B0604020202020204" pitchFamily="34" charset="0"/>
-              </a:rPr>
-              <a:t>Missing </a:t>
-            </a:r>
-            <a:r>
-              <a:rPr kumimoji="0" lang="en-US" altLang="en-US" b="0" i="0" u="none" strike="noStrike" cap="none" normalizeH="0" baseline="0" dirty="0">
-                <a:ln>
-                  <a:noFill/>
-                </a:ln>
-                <a:solidFill>
-                  <a:schemeClr val="tx1"/>
-                </a:solidFill>
-                <a:effectLst/>
-                <a:latin typeface="Arial Unicode MS"/>
-              </a:rPr>
-              <a:t>Fare</a:t>
-            </a:r>
-            <a:r>
-              <a:rPr kumimoji="0" lang="en-US" altLang="en-US" b="0" i="0" u="none" strike="noStrike" cap="none" normalizeH="0" baseline="0" dirty="0">
-                <a:ln>
-                  <a:noFill/>
-                </a:ln>
-                <a:solidFill>
-                  <a:schemeClr val="tx1"/>
-                </a:solidFill>
-                <a:effectLst/>
-              </a:rPr>
-              <a:t> values in the test set were filled with the </a:t>
-            </a:r>
-            <a:r>
-              <a:rPr kumimoji="0" lang="en-US" altLang="en-US" b="1" i="0" u="none" strike="noStrike" cap="none" normalizeH="0" baseline="0" dirty="0">
-                <a:ln>
-                  <a:noFill/>
-                </a:ln>
-                <a:solidFill>
-                  <a:schemeClr val="tx1"/>
-                </a:solidFill>
-                <a:effectLst/>
-                <a:latin typeface="Arial" panose="020B0604020202020204" pitchFamily="34" charset="0"/>
-              </a:rPr>
-              <a:t>median fare</a:t>
-            </a:r>
-            <a:r>
-              <a:rPr kumimoji="0" lang="en-US" altLang="en-US" b="0" i="0" u="none" strike="noStrike" cap="none" normalizeH="0" baseline="0" dirty="0">
-                <a:ln>
-                  <a:noFill/>
-                </a:ln>
-                <a:solidFill>
-                  <a:schemeClr val="tx1"/>
-                </a:solidFill>
-                <a:effectLst/>
-                <a:latin typeface="Arial" panose="020B0604020202020204" pitchFamily="34" charset="0"/>
-              </a:rPr>
-              <a:t>.</a:t>
-            </a:r>
-          </a:p>
-          <a:p>
-            <a:pPr marL="0" marR="0" lvl="0" indent="0" algn="l" defTabSz="914400" rtl="0" eaLnBrk="0" fontAlgn="base" latinLnBrk="0" hangingPunct="0">
-              <a:lnSpc>
-                <a:spcPct val="100000"/>
-              </a:lnSpc>
-              <a:spcBef>
-                <a:spcPct val="0"/>
-              </a:spcBef>
-              <a:spcAft>
-                <a:spcPct val="0"/>
-              </a:spcAft>
-              <a:buClrTx/>
-              <a:buSzTx/>
-              <a:buFontTx/>
-              <a:buNone/>
-              <a:tabLst/>
-            </a:pPr>
-            <a:endParaRPr kumimoji="0" lang="en-US" altLang="en-US" b="1" i="0" u="none" strike="noStrike" cap="none" normalizeH="0" baseline="0" dirty="0">
-              <a:ln>
-                <a:noFill/>
-              </a:ln>
+            <a:endParaRPr lang="en-US" altLang="en-US" sz="1500" dirty="0">
               <a:solidFill>
                 <a:schemeClr val="tx1"/>
               </a:solidFill>
-              <a:effectLst/>
-              <a:latin typeface="Arial" panose="020B0604020202020204" pitchFamily="34" charset="0"/>
+              <a:latin typeface="Calibri" panose="020F0502020204030204" pitchFamily="34" charset="0"/>
+              <a:ea typeface="Calibri" panose="020F0502020204030204" pitchFamily="34" charset="0"/>
+              <a:cs typeface="Calibri" panose="020F0502020204030204" pitchFamily="34" charset="0"/>
             </a:endParaRPr>
           </a:p>
           <a:p>
-            <a:pPr marL="0" marR="0" lvl="0" indent="0" algn="l" defTabSz="914400" rtl="0" eaLnBrk="0" fontAlgn="base" latinLnBrk="0" hangingPunct="0">
-              <a:lnSpc>
-                <a:spcPct val="100000"/>
-              </a:lnSpc>
-              <a:spcBef>
-                <a:spcPct val="0"/>
-              </a:spcBef>
-              <a:spcAft>
-                <a:spcPct val="0"/>
-              </a:spcAft>
-              <a:buClrTx/>
-              <a:buSzTx/>
-              <a:buFontTx/>
-              <a:buNone/>
-              <a:tabLst/>
+            <a:pPr algn="l">
+              <a:buNone/>
             </a:pPr>
             <a:r>
-              <a:rPr kumimoji="0" lang="en-US" altLang="en-US" b="1" i="0" u="none" strike="noStrike" cap="none" normalizeH="0" baseline="0" dirty="0">
-                <a:ln>
-                  <a:noFill/>
-                </a:ln>
-                <a:solidFill>
-                  <a:schemeClr val="tx1"/>
-                </a:solidFill>
-                <a:effectLst/>
-                <a:latin typeface="Arial" panose="020B0604020202020204" pitchFamily="34" charset="0"/>
+              <a:rPr lang="en-US" sz="1500" b="1" dirty="0">
+                <a:latin typeface="Calibri" panose="020F0502020204030204" pitchFamily="34" charset="0"/>
+                <a:ea typeface="Calibri" panose="020F0502020204030204" pitchFamily="34" charset="0"/>
+                <a:cs typeface="Calibri" panose="020F0502020204030204" pitchFamily="34" charset="0"/>
               </a:rPr>
-              <a:t>c. Encoding Categorical Variables</a:t>
-            </a:r>
-          </a:p>
-          <a:p>
-            <a:pPr marL="0" marR="0" lvl="0" indent="0" algn="l" defTabSz="914400" rtl="0" eaLnBrk="0" fontAlgn="base" latinLnBrk="0" hangingPunct="0">
-              <a:lnSpc>
-                <a:spcPct val="100000"/>
-              </a:lnSpc>
-              <a:spcBef>
-                <a:spcPct val="0"/>
-              </a:spcBef>
-              <a:spcAft>
-                <a:spcPct val="0"/>
-              </a:spcAft>
-              <a:buClrTx/>
-              <a:buSzTx/>
-              <a:buFontTx/>
-              <a:buChar char="•"/>
-              <a:tabLst/>
-            </a:pPr>
-            <a:r>
-              <a:rPr kumimoji="0" lang="en-US" altLang="en-US" b="0" i="0" u="none" strike="noStrike" cap="none" normalizeH="0" baseline="0" dirty="0">
-                <a:ln>
-                  <a:noFill/>
-                </a:ln>
-                <a:solidFill>
-                  <a:schemeClr val="tx1"/>
-                </a:solidFill>
-                <a:effectLst/>
-                <a:latin typeface="Arial" panose="020B0604020202020204" pitchFamily="34" charset="0"/>
-              </a:rPr>
-              <a:t>Used </a:t>
-            </a:r>
-            <a:r>
-              <a:rPr kumimoji="0" lang="en-US" altLang="en-US" b="1" i="0" u="none" strike="noStrike" cap="none" normalizeH="0" baseline="0" dirty="0">
-                <a:ln>
-                  <a:noFill/>
-                </a:ln>
-                <a:solidFill>
-                  <a:schemeClr val="tx1"/>
-                </a:solidFill>
-                <a:effectLst/>
-                <a:latin typeface="Arial" panose="020B0604020202020204" pitchFamily="34" charset="0"/>
-              </a:rPr>
-              <a:t>one-hot encoding</a:t>
-            </a:r>
-            <a:r>
-              <a:rPr kumimoji="0" lang="en-US" altLang="en-US" b="0" i="0" u="none" strike="noStrike" cap="none" normalizeH="0" baseline="0" dirty="0">
-                <a:ln>
-                  <a:noFill/>
-                </a:ln>
-                <a:solidFill>
-                  <a:schemeClr val="tx1"/>
-                </a:solidFill>
-                <a:effectLst/>
-                <a:latin typeface="Arial" panose="020B0604020202020204" pitchFamily="34" charset="0"/>
-              </a:rPr>
-              <a:t> to convert categorical variables into numerical format:</a:t>
-            </a:r>
-          </a:p>
-          <a:p>
-            <a:pPr marL="457200" marR="0" lvl="1" indent="0" algn="l" defTabSz="914400" rtl="0" eaLnBrk="0" fontAlgn="base" latinLnBrk="0" hangingPunct="0">
-              <a:lnSpc>
-                <a:spcPct val="100000"/>
-              </a:lnSpc>
-              <a:spcBef>
-                <a:spcPct val="0"/>
-              </a:spcBef>
-              <a:spcAft>
-                <a:spcPct val="0"/>
-              </a:spcAft>
-              <a:buClrTx/>
-              <a:buSzTx/>
-              <a:buFontTx/>
-              <a:buChar char="•"/>
-              <a:tabLst/>
-            </a:pPr>
-            <a:r>
-              <a:rPr kumimoji="0" lang="en-US" altLang="en-US" b="0" i="0" u="none" strike="noStrike" cap="none" normalizeH="0" baseline="0" dirty="0">
-                <a:ln>
-                  <a:noFill/>
-                </a:ln>
-                <a:solidFill>
-                  <a:schemeClr val="tx1"/>
-                </a:solidFill>
-                <a:effectLst/>
-                <a:latin typeface="Arial Unicode MS"/>
-              </a:rPr>
-              <a:t>Sex</a:t>
-            </a:r>
-            <a:r>
-              <a:rPr kumimoji="0" lang="en-US" altLang="en-US" b="0" i="0" u="none" strike="noStrike" cap="none" normalizeH="0" baseline="0" dirty="0">
-                <a:ln>
-                  <a:noFill/>
-                </a:ln>
-                <a:solidFill>
-                  <a:schemeClr val="tx1"/>
-                </a:solidFill>
-                <a:effectLst/>
-              </a:rPr>
-              <a:t>: Converted into </a:t>
-            </a:r>
-            <a:r>
-              <a:rPr kumimoji="0" lang="en-US" altLang="en-US" b="0" i="0" u="none" strike="noStrike" cap="none" normalizeH="0" baseline="0" dirty="0" err="1">
-                <a:ln>
-                  <a:noFill/>
-                </a:ln>
-                <a:solidFill>
-                  <a:schemeClr val="tx1"/>
-                </a:solidFill>
-                <a:effectLst/>
-                <a:latin typeface="Arial Unicode MS"/>
-              </a:rPr>
-              <a:t>Sex_male</a:t>
-            </a:r>
-            <a:r>
-              <a:rPr kumimoji="0" lang="en-US" altLang="en-US" b="0" i="0" u="none" strike="noStrike" cap="none" normalizeH="0" baseline="0" dirty="0">
-                <a:ln>
-                  <a:noFill/>
-                </a:ln>
-                <a:solidFill>
-                  <a:schemeClr val="tx1"/>
-                </a:solidFill>
-                <a:effectLst/>
-              </a:rPr>
-              <a:t> (binary).</a:t>
-            </a:r>
-            <a:endParaRPr kumimoji="0" lang="en-US" altLang="en-US" b="0" i="0" u="none" strike="noStrike" cap="none" normalizeH="0" baseline="0" dirty="0">
-              <a:ln>
-                <a:noFill/>
-              </a:ln>
-              <a:solidFill>
-                <a:schemeClr val="tx1"/>
-              </a:solidFill>
-              <a:effectLst/>
-              <a:latin typeface="Arial" panose="020B0604020202020204" pitchFamily="34" charset="0"/>
-            </a:endParaRPr>
-          </a:p>
-          <a:p>
-            <a:pPr marL="457200" marR="0" lvl="1" indent="0" algn="l" defTabSz="914400" rtl="0" eaLnBrk="0" fontAlgn="base" latinLnBrk="0" hangingPunct="0">
-              <a:lnSpc>
-                <a:spcPct val="100000"/>
-              </a:lnSpc>
-              <a:spcBef>
-                <a:spcPct val="0"/>
-              </a:spcBef>
-              <a:spcAft>
-                <a:spcPct val="0"/>
-              </a:spcAft>
-              <a:buClrTx/>
-              <a:buSzTx/>
-              <a:buFontTx/>
-              <a:buChar char="•"/>
-              <a:tabLst/>
-            </a:pPr>
-            <a:r>
-              <a:rPr kumimoji="0" lang="en-US" altLang="en-US" b="0" i="0" u="none" strike="noStrike" cap="none" normalizeH="0" baseline="0" dirty="0">
-                <a:ln>
-                  <a:noFill/>
-                </a:ln>
-                <a:solidFill>
-                  <a:schemeClr val="tx1"/>
-                </a:solidFill>
-                <a:effectLst/>
-                <a:latin typeface="Arial Unicode MS"/>
-              </a:rPr>
-              <a:t>Embarked</a:t>
-            </a:r>
-            <a:r>
-              <a:rPr kumimoji="0" lang="en-US" altLang="en-US" b="0" i="0" u="none" strike="noStrike" cap="none" normalizeH="0" baseline="0" dirty="0">
-                <a:ln>
-                  <a:noFill/>
-                </a:ln>
-                <a:solidFill>
-                  <a:schemeClr val="tx1"/>
-                </a:solidFill>
-                <a:effectLst/>
-              </a:rPr>
-              <a:t>: Converted into </a:t>
-            </a:r>
-            <a:r>
-              <a:rPr kumimoji="0" lang="en-US" altLang="en-US" b="0" i="0" u="none" strike="noStrike" cap="none" normalizeH="0" baseline="0" dirty="0" err="1">
-                <a:ln>
-                  <a:noFill/>
-                </a:ln>
-                <a:solidFill>
-                  <a:schemeClr val="tx1"/>
-                </a:solidFill>
-                <a:effectLst/>
-                <a:latin typeface="Arial Unicode MS"/>
-              </a:rPr>
-              <a:t>Embarked_Q</a:t>
-            </a:r>
-            <a:r>
-              <a:rPr kumimoji="0" lang="en-US" altLang="en-US" b="0" i="0" u="none" strike="noStrike" cap="none" normalizeH="0" baseline="0" dirty="0">
-                <a:ln>
-                  <a:noFill/>
-                </a:ln>
-                <a:solidFill>
-                  <a:schemeClr val="tx1"/>
-                </a:solidFill>
-                <a:effectLst/>
-              </a:rPr>
-              <a:t> and </a:t>
-            </a:r>
-            <a:r>
-              <a:rPr kumimoji="0" lang="en-US" altLang="en-US" b="0" i="0" u="none" strike="noStrike" cap="none" normalizeH="0" baseline="0" dirty="0" err="1">
-                <a:ln>
-                  <a:noFill/>
-                </a:ln>
-                <a:solidFill>
-                  <a:schemeClr val="tx1"/>
-                </a:solidFill>
-                <a:effectLst/>
-                <a:latin typeface="Arial Unicode MS"/>
-              </a:rPr>
-              <a:t>Embarked_S</a:t>
-            </a:r>
-            <a:r>
-              <a:rPr kumimoji="0" lang="en-US" altLang="en-US" b="0" i="0" u="none" strike="noStrike" cap="none" normalizeH="0" baseline="0" dirty="0">
-                <a:ln>
-                  <a:noFill/>
-                </a:ln>
-                <a:solidFill>
-                  <a:schemeClr val="tx1"/>
-                </a:solidFill>
-                <a:effectLst/>
-              </a:rPr>
-              <a:t>.</a:t>
-            </a:r>
-            <a:endParaRPr lang="en-US" altLang="en-US" dirty="0">
-              <a:solidFill>
-                <a:schemeClr val="tx1"/>
-              </a:solidFill>
-            </a:endParaRPr>
-          </a:p>
-          <a:p>
-            <a:pPr algn="l">
-              <a:buNone/>
-            </a:pPr>
-            <a:r>
-              <a:rPr lang="en-US" b="1" dirty="0"/>
               <a:t>4. Feature Scaling</a:t>
             </a:r>
           </a:p>
@@ -8344,24 +8440,57 @@
               <a:buChar char="•"/>
             </a:pPr>
             <a:r>
-              <a:rPr lang="en-US" dirty="0"/>
+              <a:rPr lang="en-US" sz="1500" dirty="0">
+                <a:latin typeface="Calibri" panose="020F0502020204030204" pitchFamily="34" charset="0"/>
+                <a:ea typeface="Calibri" panose="020F0502020204030204" pitchFamily="34" charset="0"/>
+                <a:cs typeface="Calibri" panose="020F0502020204030204" pitchFamily="34" charset="0"/>
+              </a:rPr>
               <a:t>Feature scaling was </a:t>
             </a:r>
             <a:r>
-              <a:rPr lang="en-US" b="1" dirty="0"/>
+              <a:rPr lang="en-US" sz="1500" b="1" dirty="0">
+                <a:latin typeface="Calibri" panose="020F0502020204030204" pitchFamily="34" charset="0"/>
+                <a:ea typeface="Calibri" panose="020F0502020204030204" pitchFamily="34" charset="0"/>
+                <a:cs typeface="Calibri" panose="020F0502020204030204" pitchFamily="34" charset="0"/>
+              </a:rPr>
               <a:t>not necessary</a:t>
             </a:r>
             <a:r>
-              <a:rPr lang="en-US" dirty="0"/>
+              <a:rPr lang="en-US" sz="1500" dirty="0">
+                <a:latin typeface="Calibri" panose="020F0502020204030204" pitchFamily="34" charset="0"/>
+                <a:ea typeface="Calibri" panose="020F0502020204030204" pitchFamily="34" charset="0"/>
+                <a:cs typeface="Calibri" panose="020F0502020204030204" pitchFamily="34" charset="0"/>
+              </a:rPr>
               <a:t> for Naive Bayes (</a:t>
             </a:r>
             <a:r>
-              <a:rPr lang="en-US" dirty="0" err="1"/>
+              <a:rPr lang="en-US" sz="1500" dirty="0" err="1">
+                <a:latin typeface="Calibri" panose="020F0502020204030204" pitchFamily="34" charset="0"/>
+                <a:ea typeface="Calibri" panose="020F0502020204030204" pitchFamily="34" charset="0"/>
+                <a:cs typeface="Calibri" panose="020F0502020204030204" pitchFamily="34" charset="0"/>
+              </a:rPr>
               <a:t>GaussianNB</a:t>
             </a:r>
             <a:r>
-              <a:rPr lang="en-US" dirty="0"/>
-              <a:t>), as it handles continuous values directly using probability distributions.</a:t>
+              <a:rPr lang="en-US" sz="1500" dirty="0">
+                <a:latin typeface="Calibri" panose="020F0502020204030204" pitchFamily="34" charset="0"/>
+                <a:ea typeface="Calibri" panose="020F0502020204030204" pitchFamily="34" charset="0"/>
+                <a:cs typeface="Calibri" panose="020F0502020204030204" pitchFamily="34" charset="0"/>
+              </a:rPr>
+              <a:t>), as it handles continuous values directly using probability distributions</a:t>
+            </a:r>
+          </a:p>
+          <a:p>
+            <a:pPr algn="l">
+              <a:buNone/>
+            </a:pPr>
+            <a:r>
+              <a:rPr lang="en-US" sz="1500" b="1" dirty="0">
+                <a:latin typeface="Calibri" panose="020F0502020204030204" pitchFamily="34" charset="0"/>
+                <a:ea typeface="Calibri" panose="020F0502020204030204" pitchFamily="34" charset="0"/>
+                <a:cs typeface="Calibri" panose="020F0502020204030204" pitchFamily="34" charset="0"/>
+              </a:rPr>
+              <a:t>5. Model Selection</a:t>
             </a:r>
           </a:p>
           <a:p>
@@ -8369,7 +8498,202 @@
               <a:buFont typeface="Arial" panose="020B0604020202020204" pitchFamily="34" charset="0"/>
               <a:buChar char="•"/>
             </a:pPr>
-            <a:endParaRPr lang="en-US" dirty="0"/>
+            <a:r>
+              <a:rPr lang="en-US" sz="1500" dirty="0">
+                <a:latin typeface="Calibri" panose="020F0502020204030204" pitchFamily="34" charset="0"/>
+                <a:ea typeface="Calibri" panose="020F0502020204030204" pitchFamily="34" charset="0"/>
+                <a:cs typeface="Calibri" panose="020F0502020204030204" pitchFamily="34" charset="0"/>
+              </a:rPr>
+              <a:t>Chose </a:t>
+            </a:r>
+            <a:r>
+              <a:rPr lang="en-US" sz="1500" b="1" dirty="0">
+                <a:latin typeface="Calibri" panose="020F0502020204030204" pitchFamily="34" charset="0"/>
+                <a:ea typeface="Calibri" panose="020F0502020204030204" pitchFamily="34" charset="0"/>
+                <a:cs typeface="Calibri" panose="020F0502020204030204" pitchFamily="34" charset="0"/>
+              </a:rPr>
+              <a:t>Gaussian Naive Bayes</a:t>
+            </a:r>
+            <a:r>
+              <a:rPr lang="en-US" sz="1500" dirty="0">
+                <a:latin typeface="Calibri" panose="020F0502020204030204" pitchFamily="34" charset="0"/>
+                <a:ea typeface="Calibri" panose="020F0502020204030204" pitchFamily="34" charset="0"/>
+                <a:cs typeface="Calibri" panose="020F0502020204030204" pitchFamily="34" charset="0"/>
+              </a:rPr>
+              <a:t> because:</a:t>
+            </a:r>
+          </a:p>
+          <a:p>
+            <a:pPr marL="742950" lvl="1" indent="-285750" algn="l">
+              <a:buFont typeface="Arial" panose="020B0604020202020204" pitchFamily="34" charset="0"/>
+              <a:buChar char="•"/>
+            </a:pPr>
+            <a:r>
+              <a:rPr lang="en-US" sz="1500" dirty="0">
+                <a:latin typeface="Calibri" panose="020F0502020204030204" pitchFamily="34" charset="0"/>
+                <a:ea typeface="Calibri" panose="020F0502020204030204" pitchFamily="34" charset="0"/>
+                <a:cs typeface="Calibri" panose="020F0502020204030204" pitchFamily="34" charset="0"/>
+              </a:rPr>
+              <a:t>It is simple and fast.</a:t>
+            </a:r>
+          </a:p>
+          <a:p>
+            <a:pPr marL="742950" lvl="1" indent="-285750" algn="l">
+              <a:buFont typeface="Arial" panose="020B0604020202020204" pitchFamily="34" charset="0"/>
+              <a:buChar char="•"/>
+            </a:pPr>
+            <a:r>
+              <a:rPr lang="en-US" sz="1500" dirty="0">
+                <a:latin typeface="Calibri" panose="020F0502020204030204" pitchFamily="34" charset="0"/>
+                <a:ea typeface="Calibri" panose="020F0502020204030204" pitchFamily="34" charset="0"/>
+                <a:cs typeface="Calibri" panose="020F0502020204030204" pitchFamily="34" charset="0"/>
+              </a:rPr>
+              <a:t>Assumes features follow a normal distribution.</a:t>
+            </a:r>
+          </a:p>
+          <a:p>
+            <a:pPr marL="742950" lvl="1" indent="-285750" algn="l">
+              <a:buFont typeface="Arial" panose="020B0604020202020204" pitchFamily="34" charset="0"/>
+              <a:buChar char="•"/>
+            </a:pPr>
+            <a:r>
+              <a:rPr lang="en-US" sz="1500" dirty="0">
+                <a:latin typeface="Calibri" panose="020F0502020204030204" pitchFamily="34" charset="0"/>
+                <a:ea typeface="Calibri" panose="020F0502020204030204" pitchFamily="34" charset="0"/>
+                <a:cs typeface="Calibri" panose="020F0502020204030204" pitchFamily="34" charset="0"/>
+              </a:rPr>
+              <a:t>Works well with smaller datasets and numerical features.</a:t>
+            </a:r>
+          </a:p>
+          <a:p>
+            <a:pPr algn="l">
+              <a:buNone/>
+            </a:pPr>
+            <a:r>
+              <a:rPr lang="en-US" sz="1500" b="1" dirty="0">
+                <a:latin typeface="Calibri" panose="020F0502020204030204" pitchFamily="34" charset="0"/>
+                <a:ea typeface="Calibri" panose="020F0502020204030204" pitchFamily="34" charset="0"/>
+                <a:cs typeface="Calibri" panose="020F0502020204030204" pitchFamily="34" charset="0"/>
+              </a:rPr>
+              <a:t>6. Model Training</a:t>
+            </a:r>
+          </a:p>
+          <a:p>
+            <a:pPr algn="l">
+              <a:buFont typeface="Arial" panose="020B0604020202020204" pitchFamily="34" charset="0"/>
+              <a:buChar char="•"/>
+            </a:pPr>
+            <a:r>
+              <a:rPr lang="en-US" sz="1500" dirty="0">
+                <a:latin typeface="Calibri" panose="020F0502020204030204" pitchFamily="34" charset="0"/>
+                <a:ea typeface="Calibri" panose="020F0502020204030204" pitchFamily="34" charset="0"/>
+                <a:cs typeface="Calibri" panose="020F0502020204030204" pitchFamily="34" charset="0"/>
+              </a:rPr>
+              <a:t>Split the training dataset into </a:t>
+            </a:r>
+            <a:r>
+              <a:rPr lang="en-US" sz="1500" b="1" dirty="0">
+                <a:latin typeface="Calibri" panose="020F0502020204030204" pitchFamily="34" charset="0"/>
+                <a:ea typeface="Calibri" panose="020F0502020204030204" pitchFamily="34" charset="0"/>
+                <a:cs typeface="Calibri" panose="020F0502020204030204" pitchFamily="34" charset="0"/>
+              </a:rPr>
+              <a:t>training (80%)</a:t>
+            </a:r>
+            <a:r>
+              <a:rPr lang="en-US" sz="1500" dirty="0">
+                <a:latin typeface="Calibri" panose="020F0502020204030204" pitchFamily="34" charset="0"/>
+                <a:ea typeface="Calibri" panose="020F0502020204030204" pitchFamily="34" charset="0"/>
+                <a:cs typeface="Calibri" panose="020F0502020204030204" pitchFamily="34" charset="0"/>
+              </a:rPr>
+              <a:t> and </a:t>
+            </a:r>
+            <a:r>
+              <a:rPr lang="en-US" sz="1500" b="1" dirty="0">
+                <a:latin typeface="Calibri" panose="020F0502020204030204" pitchFamily="34" charset="0"/>
+                <a:ea typeface="Calibri" panose="020F0502020204030204" pitchFamily="34" charset="0"/>
+                <a:cs typeface="Calibri" panose="020F0502020204030204" pitchFamily="34" charset="0"/>
+              </a:rPr>
+              <a:t>validation (20%)</a:t>
+            </a:r>
+            <a:r>
+              <a:rPr lang="en-US" sz="1500" dirty="0">
+                <a:latin typeface="Calibri" panose="020F0502020204030204" pitchFamily="34" charset="0"/>
+                <a:ea typeface="Calibri" panose="020F0502020204030204" pitchFamily="34" charset="0"/>
+                <a:cs typeface="Calibri" panose="020F0502020204030204" pitchFamily="34" charset="0"/>
+              </a:rPr>
+              <a:t> sets.</a:t>
+            </a:r>
+          </a:p>
+          <a:p>
+            <a:pPr algn="l">
+              <a:buFont typeface="Arial" panose="020B0604020202020204" pitchFamily="34" charset="0"/>
+              <a:buChar char="•"/>
+            </a:pPr>
+            <a:r>
+              <a:rPr lang="en-US" sz="1500" dirty="0">
+                <a:latin typeface="Calibri" panose="020F0502020204030204" pitchFamily="34" charset="0"/>
+                <a:ea typeface="Calibri" panose="020F0502020204030204" pitchFamily="34" charset="0"/>
+                <a:cs typeface="Calibri" panose="020F0502020204030204" pitchFamily="34" charset="0"/>
+              </a:rPr>
+              <a:t>Trained the </a:t>
+            </a:r>
+            <a:r>
+              <a:rPr lang="en-IN" sz="1500" dirty="0" err="1">
+                <a:latin typeface="Calibri" panose="020F0502020204030204" pitchFamily="34" charset="0"/>
+                <a:ea typeface="Calibri" panose="020F0502020204030204" pitchFamily="34" charset="0"/>
+                <a:cs typeface="Calibri" panose="020F0502020204030204" pitchFamily="34" charset="0"/>
+              </a:rPr>
+              <a:t>gaussianNB</a:t>
+            </a:r>
+            <a:r>
+              <a:rPr lang="en-US" sz="1500" dirty="0">
+                <a:latin typeface="Calibri" panose="020F0502020204030204" pitchFamily="34" charset="0"/>
+                <a:ea typeface="Calibri" panose="020F0502020204030204" pitchFamily="34" charset="0"/>
+                <a:cs typeface="Calibri" panose="020F0502020204030204" pitchFamily="34" charset="0"/>
+              </a:rPr>
+              <a:t>model on the training set.</a:t>
+            </a:r>
+          </a:p>
+          <a:p>
+            <a:pPr algn="l"/>
+            <a:endParaRPr lang="en-US" sz="1500" dirty="0">
+              <a:latin typeface="Calibri" panose="020F0502020204030204" pitchFamily="34" charset="0"/>
+              <a:ea typeface="Calibri" panose="020F0502020204030204" pitchFamily="34" charset="0"/>
+              <a:cs typeface="Calibri" panose="020F0502020204030204" pitchFamily="34" charset="0"/>
+            </a:endParaRPr>
+          </a:p>
+          <a:p>
+            <a:pPr algn="l">
+              <a:buFont typeface="Arial" panose="020B0604020202020204" pitchFamily="34" charset="0"/>
+              <a:buChar char="•"/>
+            </a:pPr>
+            <a:endParaRPr lang="en-US" sz="1500" dirty="0">
+              <a:latin typeface="Calibri" panose="020F0502020204030204" pitchFamily="34" charset="0"/>
+              <a:ea typeface="Calibri" panose="020F0502020204030204" pitchFamily="34" charset="0"/>
+              <a:cs typeface="Calibri" panose="020F0502020204030204" pitchFamily="34" charset="0"/>
+            </a:endParaRPr>
+          </a:p>
+          <a:p>
+            <a:pPr algn="l">
+              <a:buFont typeface="Arial" panose="020B0604020202020204" pitchFamily="34" charset="0"/>
+              <a:buChar char="•"/>
+            </a:pPr>
+            <a:endParaRPr lang="en-US" sz="1500" dirty="0">
+              <a:latin typeface="Calibri" panose="020F0502020204030204" pitchFamily="34" charset="0"/>
+              <a:ea typeface="Calibri" panose="020F0502020204030204" pitchFamily="34" charset="0"/>
+              <a:cs typeface="Calibri" panose="020F0502020204030204" pitchFamily="34" charset="0"/>
+            </a:endParaRPr>
+          </a:p>
+          <a:p>
+            <a:pPr algn="l">
+              <a:buFont typeface="Arial" panose="020B0604020202020204" pitchFamily="34" charset="0"/>
+              <a:buChar char="•"/>
+            </a:pPr>
+            <a:endParaRPr lang="en-US" sz="1500" dirty="0">
+              <a:latin typeface="Calibri" panose="020F0502020204030204" pitchFamily="34" charset="0"/>
+              <a:ea typeface="Calibri" panose="020F0502020204030204" pitchFamily="34" charset="0"/>
+              <a:cs typeface="Calibri" panose="020F0502020204030204" pitchFamily="34" charset="0"/>
+            </a:endParaRPr>
           </a:p>
           <a:p>
             <a:pPr marL="457200" marR="0" lvl="1" indent="0" algn="l" defTabSz="914400" rtl="0" eaLnBrk="0" fontAlgn="base" latinLnBrk="0" hangingPunct="0">
@@ -8386,7 +8710,7 @@
               <a:buSzTx/>
               <a:tabLst/>
             </a:pPr>
-            <a:endParaRPr kumimoji="0" lang="en-US" altLang="en-US" b="0" i="0" u="none" strike="noStrike" cap="none" normalizeH="0" baseline="0" dirty="0">
+            <a:endParaRPr kumimoji="0" lang="en-US" altLang="en-US" sz="1500" b="0" i="0" u="none" strike="noStrike" cap="none" normalizeH="0" baseline="0" dirty="0">
               <a:ln>
                 <a:noFill/>
               </a:ln>
@@ -8394,7 +8718,9 @@
                 <a:schemeClr val="tx1"/>
               </a:solidFill>
               <a:effectLst/>
-              <a:latin typeface="Arial" panose="020B0604020202020204" pitchFamily="34" charset="0"/>
+              <a:latin typeface="Calibri" panose="020F0502020204030204" pitchFamily="34" charset="0"/>
+              <a:ea typeface="Calibri" panose="020F0502020204030204" pitchFamily="34" charset="0"/>
+              <a:cs typeface="Calibri" panose="020F0502020204030204" pitchFamily="34" charset="0"/>
             </a:endParaRPr>
           </a:p>
           <a:p>
@@ -8414,7 +8740,7 @@
               <a:buNone/>
               <a:tabLst/>
             </a:pPr>
-            <a:endParaRPr kumimoji="0" lang="en-US" altLang="en-US" sz="1800" b="0" i="0" u="none" strike="noStrike" cap="none" normalizeH="0" baseline="0" dirty="0">
+            <a:endParaRPr kumimoji="0" lang="en-US" altLang="en-US" sz="1500" b="0" i="0" u="none" strike="noStrike" cap="none" normalizeH="0" baseline="0" dirty="0">
               <a:ln>
                 <a:noFill/>
               </a:ln>
@@ -8422,7 +8748,9 @@
                 <a:schemeClr val="tx1"/>
               </a:solidFill>
               <a:effectLst/>
-              <a:latin typeface="Arial" panose="020B0604020202020204" pitchFamily="34" charset="0"/>
+              <a:latin typeface="Calibri" panose="020F0502020204030204" pitchFamily="34" charset="0"/>
+              <a:ea typeface="Calibri" panose="020F0502020204030204" pitchFamily="34" charset="0"/>
+              <a:cs typeface="Calibri" panose="020F0502020204030204" pitchFamily="34" charset="0"/>
             </a:endParaRPr>
           </a:p>
         </p:txBody>
@@ -8516,7 +8844,7 @@
         </p:spPr>
         <p:txBody>
           <a:bodyPr>
-            <a:normAutofit fontScale="25000" lnSpcReduction="20000"/>
+            <a:normAutofit fontScale="62500" lnSpcReduction="20000"/>
           </a:bodyPr>
           <a:lstStyle/>
           <a:p>
@@ -8524,8 +8852,12 @@
               <a:buNone/>
             </a:pPr>
             <a:r>
-              <a:rPr lang="en-US" sz="3500" b="1" dirty="0"/>
-              <a:t>5. Model Selection</a:t>
+              <a:rPr lang="en-US" sz="3200" b="1" dirty="0">
+                <a:latin typeface="Calibri" panose="020F0502020204030204" pitchFamily="34" charset="0"/>
+                <a:ea typeface="Calibri" panose="020F0502020204030204" pitchFamily="34" charset="0"/>
+                <a:cs typeface="Calibri" panose="020F0502020204030204" pitchFamily="34" charset="0"/>
+              </a:rPr>
+              <a:t>7. Model Evaluation</a:t>
             </a:r>
           </a:p>
           <a:p>
@@ -8534,16 +8866,12 @@
               <a:buChar char="•"/>
             </a:pPr>
             <a:r>
-              <a:rPr lang="en-US" sz="3500" dirty="0"/>
-              <a:t>Chose </a:t>
-            </a:r>
-            <a:r>
-              <a:rPr lang="en-US" sz="3500" b="1" dirty="0"/>
-              <a:t>Gaussian Naive Bayes</a:t>
-            </a:r>
-            <a:r>
-              <a:rPr lang="en-US" sz="3500" dirty="0"/>
-              <a:t> because:</a:t>
+              <a:rPr lang="en-US" sz="3200" dirty="0">
+                <a:latin typeface="Calibri" panose="020F0502020204030204" pitchFamily="34" charset="0"/>
+                <a:ea typeface="Calibri" panose="020F0502020204030204" pitchFamily="34" charset="0"/>
+                <a:cs typeface="Calibri" panose="020F0502020204030204" pitchFamily="34" charset="0"/>
+              </a:rPr>
+              <a:t>Evaluated performance using:</a:t>
             </a:r>
           </a:p>
           <a:p>
@@ -8552,8 +8880,20 @@
               <a:buChar char="•"/>
             </a:pPr>
             <a:r>
-              <a:rPr lang="en-US" sz="3500" dirty="0"/>
-              <a:t>It is simple and fast.</a:t>
+              <a:rPr lang="en-US" sz="3200" b="1" dirty="0">
+                <a:latin typeface="Calibri" panose="020F0502020204030204" pitchFamily="34" charset="0"/>
+                <a:ea typeface="Calibri" panose="020F0502020204030204" pitchFamily="34" charset="0"/>
+                <a:cs typeface="Calibri" panose="020F0502020204030204" pitchFamily="34" charset="0"/>
+              </a:rPr>
+              <a:t>Accuracy</a:t>
+            </a:r>
+            <a:r>
+              <a:rPr lang="en-US" sz="3200" dirty="0">
+                <a:latin typeface="Calibri" panose="020F0502020204030204" pitchFamily="34" charset="0"/>
+                <a:ea typeface="Calibri" panose="020F0502020204030204" pitchFamily="34" charset="0"/>
+                <a:cs typeface="Calibri" panose="020F0502020204030204" pitchFamily="34" charset="0"/>
+              </a:rPr>
+              <a:t>: Measures overall correctness.</a:t>
             </a:r>
           </a:p>
           <a:p>
@@ -8562,27 +8902,20 @@
               <a:buChar char="•"/>
             </a:pPr>
             <a:r>
-              <a:rPr lang="en-US" sz="3500" dirty="0"/>
-              <a:t>Assumes features follow a normal distribution.</a:t>
-            </a:r>
-          </a:p>
-          <a:p>
-            <a:pPr marL="742950" lvl="1" indent="-285750" algn="l">
-              <a:buFont typeface="Arial" panose="020B0604020202020204" pitchFamily="34" charset="0"/>
-              <a:buChar char="•"/>
-            </a:pPr>
-            <a:r>
-              <a:rPr lang="en-US" sz="3500" dirty="0"/>
-              <a:t>Works well with smaller datasets and numerical features.</a:t>
-            </a:r>
-          </a:p>
-          <a:p>
-            <a:pPr algn="l">
-              <a:buNone/>
-            </a:pPr>
-            <a:r>
-              <a:rPr lang="en-US" sz="3500" b="1" dirty="0"/>
-              <a:t>6. Model Training</a:t>
+              <a:rPr lang="en-US" sz="3200" b="1" dirty="0">
+                <a:latin typeface="Calibri" panose="020F0502020204030204" pitchFamily="34" charset="0"/>
+                <a:ea typeface="Calibri" panose="020F0502020204030204" pitchFamily="34" charset="0"/>
+                <a:cs typeface="Calibri" panose="020F0502020204030204" pitchFamily="34" charset="0"/>
+              </a:rPr>
+              <a:t>Classification Report</a:t>
+            </a:r>
+            <a:r>
+              <a:rPr lang="en-US" sz="3200" dirty="0">
+                <a:latin typeface="Calibri" panose="020F0502020204030204" pitchFamily="34" charset="0"/>
+                <a:ea typeface="Calibri" panose="020F0502020204030204" pitchFamily="34" charset="0"/>
+                <a:cs typeface="Calibri" panose="020F0502020204030204" pitchFamily="34" charset="0"/>
+              </a:rPr>
+              <a:t>: Provides precision, recall, F1-score.</a:t>
             </a:r>
           </a:p>
           <a:p>
@@ -8591,24 +8924,25 @@
               <a:buChar char="•"/>
             </a:pPr>
             <a:r>
-              <a:rPr lang="en-US" sz="3500" dirty="0"/>
-              <a:t>Split the training dataset into </a:t>
-            </a:r>
-            <a:r>
-              <a:rPr lang="en-US" sz="3500" b="1" dirty="0"/>
-              <a:t>training (80%)</a:t>
-            </a:r>
-            <a:r>
-              <a:rPr lang="en-US" sz="3500" dirty="0"/>
-              <a:t> and </a:t>
-            </a:r>
-            <a:r>
-              <a:rPr lang="en-US" sz="3500" b="1" dirty="0"/>
-              <a:t>validation (20%)</a:t>
-            </a:r>
-            <a:r>
-              <a:rPr lang="en-US" sz="3500" dirty="0"/>
-              <a:t> sets.</a:t>
+              <a:rPr lang="en-US" sz="3200" dirty="0">
+                <a:latin typeface="Calibri" panose="020F0502020204030204" pitchFamily="34" charset="0"/>
+                <a:ea typeface="Calibri" panose="020F0502020204030204" pitchFamily="34" charset="0"/>
+                <a:cs typeface="Calibri" panose="020F0502020204030204" pitchFamily="34" charset="0"/>
+              </a:rPr>
+              <a:t>Validated the model using the hold-out validation set.</a:t>
+            </a:r>
+          </a:p>
+          <a:p>
+            <a:pPr algn="l">
+              <a:buNone/>
+            </a:pPr>
+            <a:r>
+              <a:rPr lang="en-US" sz="3200" b="1" dirty="0">
+                <a:latin typeface="Calibri" panose="020F0502020204030204" pitchFamily="34" charset="0"/>
+                <a:ea typeface="Calibri" panose="020F0502020204030204" pitchFamily="34" charset="0"/>
+                <a:cs typeface="Calibri" panose="020F0502020204030204" pitchFamily="34" charset="0"/>
+              </a:rPr>
+              <a:t>8. Prediction &amp; Submission</a:t>
             </a:r>
           </a:p>
           <a:p>
@@ -8617,28 +8951,12 @@
               <a:buChar char="•"/>
             </a:pPr>
             <a:r>
-              <a:rPr lang="en-US" sz="3500" dirty="0"/>
-              <a:t>Trained the </a:t>
-            </a:r>
-          </a:p>
-          <a:p>
-            <a:pPr algn="l"/>
-            <a:r>
-              <a:rPr lang="en-IN" sz="3500" dirty="0" err="1"/>
-              <a:t>gaussianNB</a:t>
-            </a:r>
-            <a:r>
-              <a:rPr lang="en-US" sz="3500" dirty="0"/>
-              <a:t>model on the training set.</a:t>
-            </a:r>
-          </a:p>
-          <a:p>
-            <a:pPr algn="l">
-              <a:buNone/>
-            </a:pPr>
-            <a:r>
-              <a:rPr lang="en-US" sz="3500" b="1" dirty="0"/>
-              <a:t>7. Model Evaluation</a:t>
+              <a:rPr lang="en-US" sz="3200" dirty="0">
+                <a:latin typeface="Calibri" panose="020F0502020204030204" pitchFamily="34" charset="0"/>
+                <a:ea typeface="Calibri" panose="020F0502020204030204" pitchFamily="34" charset="0"/>
+                <a:cs typeface="Calibri" panose="020F0502020204030204" pitchFamily="34" charset="0"/>
+              </a:rPr>
+              <a:t>Generated predictions on the test dataset.</a:t>
             </a:r>
           </a:p>
           <a:p>
@@ -8647,36 +8965,52 @@
               <a:buChar char="•"/>
             </a:pPr>
             <a:r>
-              <a:rPr lang="en-US" sz="3500" dirty="0"/>
-              <a:t>Evaluated performance using:</a:t>
-            </a:r>
-          </a:p>
-          <a:p>
-            <a:pPr marL="742950" lvl="1" indent="-285750" algn="l">
-              <a:buFont typeface="Arial" panose="020B0604020202020204" pitchFamily="34" charset="0"/>
-              <a:buChar char="•"/>
+              <a:rPr lang="en-US" sz="3200" dirty="0">
+                <a:latin typeface="Calibri" panose="020F0502020204030204" pitchFamily="34" charset="0"/>
+                <a:ea typeface="Calibri" panose="020F0502020204030204" pitchFamily="34" charset="0"/>
+                <a:cs typeface="Calibri" panose="020F0502020204030204" pitchFamily="34" charset="0"/>
+              </a:rPr>
+              <a:t>Created a submission file containing</a:t>
+            </a:r>
+          </a:p>
+          <a:p>
+            <a:pPr algn="l"/>
+            <a:r>
+              <a:rPr lang="en-IN" sz="3200" dirty="0">
+                <a:latin typeface="Calibri" panose="020F0502020204030204" pitchFamily="34" charset="0"/>
+                <a:ea typeface="Calibri" panose="020F0502020204030204" pitchFamily="34" charset="0"/>
+                <a:cs typeface="Calibri" panose="020F0502020204030204" pitchFamily="34" charset="0"/>
+              </a:rPr>
+              <a:t>Passengerid </a:t>
+            </a:r>
+            <a:r>
+              <a:rPr lang="en-IN" sz="3200" dirty="0" err="1">
+                <a:latin typeface="Calibri" panose="020F0502020204030204" pitchFamily="34" charset="0"/>
+                <a:ea typeface="Calibri" panose="020F0502020204030204" pitchFamily="34" charset="0"/>
+                <a:cs typeface="Calibri" panose="020F0502020204030204" pitchFamily="34" charset="0"/>
+              </a:rPr>
+              <a:t>andpredicted</a:t>
+            </a:r>
+            <a:r>
+              <a:rPr lang="en-IN" sz="3200" dirty="0">
+                <a:latin typeface="Calibri" panose="020F0502020204030204" pitchFamily="34" charset="0"/>
+                <a:ea typeface="Calibri" panose="020F0502020204030204" pitchFamily="34" charset="0"/>
+                <a:cs typeface="Calibri" panose="020F0502020204030204" pitchFamily="34" charset="0"/>
+              </a:rPr>
+              <a:t> survived values.</a:t>
+            </a:r>
+          </a:p>
+          <a:p>
+            <a:pPr algn="l">
+              <a:buNone/>
             </a:pPr>
             <a:r>
-              <a:rPr lang="en-US" sz="3500" b="1" dirty="0"/>
-              <a:t>Accuracy</a:t>
-            </a:r>
-            <a:r>
-              <a:rPr lang="en-US" sz="3500" dirty="0"/>
-              <a:t>: Measures overall correctness.</a:t>
-            </a:r>
-          </a:p>
-          <a:p>
-            <a:pPr marL="742950" lvl="1" indent="-285750" algn="l">
-              <a:buFont typeface="Arial" panose="020B0604020202020204" pitchFamily="34" charset="0"/>
-              <a:buChar char="•"/>
-            </a:pPr>
-            <a:r>
-              <a:rPr lang="en-US" sz="3500" b="1" dirty="0"/>
-              <a:t>Classification Report</a:t>
-            </a:r>
-            <a:r>
-              <a:rPr lang="en-US" sz="3500" dirty="0"/>
-              <a:t>: Provides precision, recall, F1-score.</a:t>
+              <a:rPr lang="en-US" sz="3200" b="1" dirty="0">
+                <a:latin typeface="Calibri" panose="020F0502020204030204" pitchFamily="34" charset="0"/>
+                <a:ea typeface="Calibri" panose="020F0502020204030204" pitchFamily="34" charset="0"/>
+                <a:cs typeface="Calibri" panose="020F0502020204030204" pitchFamily="34" charset="0"/>
+              </a:rPr>
+              <a:t>9. Tools &amp; Libraries</a:t>
             </a:r>
           </a:p>
           <a:p>
@@ -8685,18 +9019,18 @@
               <a:buChar char="•"/>
             </a:pPr>
             <a:r>
-              <a:rPr lang="en-US" sz="3500" dirty="0"/>
-              <a:t>Validated the model using the hold-out validation set.</a:t>
-            </a:r>
-          </a:p>
-          <a:p>
-            <a:pPr algn="l">
-              <a:buNone/>
-            </a:pPr>
-            <a:r>
-              <a:rPr lang="en-US" sz="3500" b="1" dirty="0"/>
-              <a:t>8. Prediction &amp; Submission</a:t>
-            </a:r>
+              <a:rPr lang="en-US" sz="3200" b="1" dirty="0">
+                <a:latin typeface="Calibri" panose="020F0502020204030204" pitchFamily="34" charset="0"/>
+                <a:ea typeface="Calibri" panose="020F0502020204030204" pitchFamily="34" charset="0"/>
+                <a:cs typeface="Calibri" panose="020F0502020204030204" pitchFamily="34" charset="0"/>
+              </a:rPr>
+              <a:t>Python</a:t>
+            </a:r>
+            <a:endParaRPr lang="en-US" sz="3200" dirty="0">
+              <a:latin typeface="Calibri" panose="020F0502020204030204" pitchFamily="34" charset="0"/>
+              <a:ea typeface="Calibri" panose="020F0502020204030204" pitchFamily="34" charset="0"/>
+              <a:cs typeface="Calibri" panose="020F0502020204030204" pitchFamily="34" charset="0"/>
+            </a:endParaRPr>
           </a:p>
           <a:p>
             <a:pPr algn="l">
@@ -8704,8 +9038,20 @@
               <a:buChar char="•"/>
             </a:pPr>
             <a:r>
-              <a:rPr lang="en-US" sz="3500" dirty="0"/>
-              <a:t>Generated predictions on the test dataset.</a:t>
+              <a:rPr lang="en-US" sz="3200" b="1" dirty="0">
+                <a:latin typeface="Calibri" panose="020F0502020204030204" pitchFamily="34" charset="0"/>
+                <a:ea typeface="Calibri" panose="020F0502020204030204" pitchFamily="34" charset="0"/>
+                <a:cs typeface="Calibri" panose="020F0502020204030204" pitchFamily="34" charset="0"/>
+              </a:rPr>
+              <a:t>Pandas</a:t>
+            </a:r>
+            <a:r>
+              <a:rPr lang="en-US" sz="3200" dirty="0">
+                <a:latin typeface="Calibri" panose="020F0502020204030204" pitchFamily="34" charset="0"/>
+                <a:ea typeface="Calibri" panose="020F0502020204030204" pitchFamily="34" charset="0"/>
+                <a:cs typeface="Calibri" panose="020F0502020204030204" pitchFamily="34" charset="0"/>
+              </a:rPr>
+              <a:t> for data handling</a:t>
             </a:r>
           </a:p>
           <a:p>
@@ -8714,32 +9060,20 @@
               <a:buChar char="•"/>
             </a:pPr>
             <a:r>
-              <a:rPr lang="en-US" sz="3500" dirty="0"/>
-              <a:t>Created a submission file containing</a:t>
-            </a:r>
-          </a:p>
-          <a:p>
-            <a:pPr algn="l"/>
-            <a:r>
-              <a:rPr lang="en-IN" sz="3500" dirty="0"/>
-              <a:t>Passengerid </a:t>
-            </a:r>
-            <a:r>
-              <a:rPr lang="en-IN" sz="3500" dirty="0" err="1"/>
-              <a:t>andpredicted</a:t>
-            </a:r>
-            <a:r>
-              <a:rPr lang="en-IN" sz="3500" dirty="0"/>
-              <a:t> survived values.</a:t>
-            </a:r>
-          </a:p>
-          <a:p>
-            <a:pPr algn="l">
-              <a:buNone/>
-            </a:pPr>
-            <a:r>
-              <a:rPr lang="en-US" sz="3500" b="1" dirty="0"/>
-              <a:t>9. Tools &amp; Libraries</a:t>
+              <a:rPr lang="en-US" sz="3200" b="1" dirty="0">
+                <a:latin typeface="Calibri" panose="020F0502020204030204" pitchFamily="34" charset="0"/>
+                <a:ea typeface="Calibri" panose="020F0502020204030204" pitchFamily="34" charset="0"/>
+                <a:cs typeface="Calibri" panose="020F0502020204030204" pitchFamily="34" charset="0"/>
+              </a:rPr>
+              <a:t>Scikit-learn</a:t>
+            </a:r>
+            <a:r>
+              <a:rPr lang="en-US" sz="3200" dirty="0">
+                <a:latin typeface="Calibri" panose="020F0502020204030204" pitchFamily="34" charset="0"/>
+                <a:ea typeface="Calibri" panose="020F0502020204030204" pitchFamily="34" charset="0"/>
+                <a:cs typeface="Calibri" panose="020F0502020204030204" pitchFamily="34" charset="0"/>
+              </a:rPr>
+              <a:t> for modeling and evaluation</a:t>
             </a:r>
           </a:p>
           <a:p>
@@ -8748,54 +9082,27 @@
               <a:buChar char="•"/>
             </a:pPr>
             <a:r>
-              <a:rPr lang="en-US" sz="3500" b="1" dirty="0"/>
-              <a:t>Python</a:t>
-            </a:r>
-            <a:endParaRPr lang="en-US" sz="3500" dirty="0"/>
-          </a:p>
-          <a:p>
-            <a:pPr algn="l">
-              <a:buFont typeface="Arial" panose="020B0604020202020204" pitchFamily="34" charset="0"/>
-              <a:buChar char="•"/>
-            </a:pPr>
-            <a:r>
-              <a:rPr lang="en-US" sz="3500" b="1" dirty="0"/>
-              <a:t>Pandas</a:t>
-            </a:r>
-            <a:r>
-              <a:rPr lang="en-US" sz="3500" dirty="0"/>
-              <a:t> for data handling</a:t>
-            </a:r>
-          </a:p>
-          <a:p>
-            <a:pPr algn="l">
-              <a:buFont typeface="Arial" panose="020B0604020202020204" pitchFamily="34" charset="0"/>
-              <a:buChar char="•"/>
-            </a:pPr>
-            <a:r>
-              <a:rPr lang="en-US" sz="3500" b="1" dirty="0"/>
-              <a:t>Scikit-learn</a:t>
-            </a:r>
-            <a:r>
-              <a:rPr lang="en-US" sz="3500" dirty="0"/>
-              <a:t> for modeling and evaluation</a:t>
-            </a:r>
-          </a:p>
-          <a:p>
-            <a:pPr algn="l">
-              <a:buFont typeface="Arial" panose="020B0604020202020204" pitchFamily="34" charset="0"/>
-              <a:buChar char="•"/>
-            </a:pPr>
-            <a:r>
-              <a:rPr lang="en-US" sz="3500" b="1" dirty="0" err="1"/>
+              <a:rPr lang="en-US" sz="3200" b="1" dirty="0" err="1">
+                <a:latin typeface="Calibri" panose="020F0502020204030204" pitchFamily="34" charset="0"/>
+                <a:ea typeface="Calibri" panose="020F0502020204030204" pitchFamily="34" charset="0"/>
+                <a:cs typeface="Calibri" panose="020F0502020204030204" pitchFamily="34" charset="0"/>
+              </a:rPr>
               <a:t>Jupyter</a:t>
             </a:r>
             <a:r>
-              <a:rPr lang="en-US" sz="3500" b="1" dirty="0"/>
+              <a:rPr lang="en-US" sz="3200" b="1" dirty="0">
+                <a:latin typeface="Calibri" panose="020F0502020204030204" pitchFamily="34" charset="0"/>
+                <a:ea typeface="Calibri" panose="020F0502020204030204" pitchFamily="34" charset="0"/>
+                <a:cs typeface="Calibri" panose="020F0502020204030204" pitchFamily="34" charset="0"/>
+              </a:rPr>
               <a:t> Notebook</a:t>
             </a:r>
             <a:r>
-              <a:rPr lang="en-US" sz="3500" dirty="0"/>
+              <a:rPr lang="en-US" sz="3200" dirty="0">
+                <a:latin typeface="Calibri" panose="020F0502020204030204" pitchFamily="34" charset="0"/>
+                <a:ea typeface="Calibri" panose="020F0502020204030204" pitchFamily="34" charset="0"/>
+                <a:cs typeface="Calibri" panose="020F0502020204030204" pitchFamily="34" charset="0"/>
+              </a:rPr>
               <a:t> (optional) for interactive development</a:t>
             </a:r>
           </a:p>
@@ -9870,6 +10177,15 @@
 </file>
 
 <file path=customXml/item1.xml><?xml version="1.0" encoding="utf-8"?>
+<?mso-contentType ?>
+<FormTemplates xmlns="http://schemas.microsoft.com/sharepoint/v3/contenttype/forms">
+  <Display>DocumentLibraryForm</Display>
+  <Edit>DocumentLibraryForm</Edit>
+  <New>DocumentLibraryForm</New>
+</FormTemplates>
+</file>
+
+<file path=customXml/item2.xml><?xml version="1.0" encoding="utf-8"?>
 <ct:contentTypeSchema xmlns:ct="http://schemas.microsoft.com/office/2006/metadata/contentType" xmlns:ma="http://schemas.microsoft.com/office/2006/metadata/properties/metaAttributes" ct:_="" ma:_="" ma:contentTypeName="Document" ma:contentTypeID="0x01010079F111ED35F8CC479449609E8A0923A6" ma:contentTypeVersion="27" ma:contentTypeDescription="Create a new document." ma:contentTypeScope="" ma:versionID="c6f9a84f66a9c8b9a21755b9ffafb945">
   <xsd:schema xmlns:xsd="http://www.w3.org/2001/XMLSchema" xmlns:xs="http://www.w3.org/2001/XMLSchema" xmlns:p="http://schemas.microsoft.com/office/2006/metadata/properties" xmlns:ns1="http://schemas.microsoft.com/sharepoint/v3" xmlns:ns2="71af3243-3dd4-4a8d-8c0d-dd76da1f02a5" xmlns:ns3="16c05727-aa75-4e4a-9b5f-8a80a1165891" xmlns:ns4="230e9df3-be65-4c73-a93b-d1236ebd677e" targetNamespace="http://schemas.microsoft.com/office/2006/metadata/properties" ma:root="true" ma:fieldsID="27df39e3e7036dff54f89ddd5805ce72" ns1:_="" ns2:_="" ns3:_="" ns4:_="">
     <xsd:import namespace="http://schemas.microsoft.com/sharepoint/v3"/>
@@ -10175,15 +10491,6 @@
 </ct:contentTypeSchema>
 </file>
 
-<file path=customXml/item2.xml><?xml version="1.0" encoding="utf-8"?>
-<?mso-contentType ?>
-<FormTemplates xmlns="http://schemas.microsoft.com/sharepoint/v3/contenttype/forms">
-  <Display>DocumentLibraryForm</Display>
-  <Edit>DocumentLibraryForm</Edit>
-  <New>DocumentLibraryForm</New>
-</FormTemplates>
-</file>
-
 <file path=customXml/item3.xml><?xml version="1.0" encoding="utf-8"?>
 <p:properties xmlns:p="http://schemas.microsoft.com/office/2006/metadata/properties" xmlns:xsi="http://www.w3.org/2001/XMLSchema-instance" xmlns:pc="http://schemas.microsoft.com/office/infopath/2007/PartnerControls">
   <documentManagement>
@@ -10205,6 +10512,14 @@
 </file>
 
 <file path=customXml/itemProps1.xml><?xml version="1.0" encoding="utf-8"?>
+<ds:datastoreItem xmlns:ds="http://schemas.openxmlformats.org/officeDocument/2006/customXml" ds:itemID="{AA3F7EDC-E5B4-4BBC-9D2A-CBE6D46C37AD}">
+  <ds:schemaRefs>
+    <ds:schemaRef ds:uri="http://schemas.microsoft.com/sharepoint/v3/contenttype/forms"/>
+  </ds:schemaRefs>
+</ds:datastoreItem>
+</file>
+
+<file path=customXml/itemProps2.xml><?xml version="1.0" encoding="utf-8"?>
 <ds:datastoreItem xmlns:ds="http://schemas.openxmlformats.org/officeDocument/2006/customXml" ds:itemID="{D2957789-34B8-480C-AF9B-3EB54B9E5C96}">
   <ds:schemaRefs>
     <ds:schemaRef ds:uri="http://schemas.microsoft.com/office/2006/metadata/contentType"/>
@@ -10225,14 +10540,6 @@
 </ds:datastoreItem>
 </file>
 
-<file path=customXml/itemProps2.xml><?xml version="1.0" encoding="utf-8"?>
-<ds:datastoreItem xmlns:ds="http://schemas.openxmlformats.org/officeDocument/2006/customXml" ds:itemID="{AA3F7EDC-E5B4-4BBC-9D2A-CBE6D46C37AD}">
-  <ds:schemaRefs>
-    <ds:schemaRef ds:uri="http://schemas.microsoft.com/sharepoint/v3/contenttype/forms"/>
-  </ds:schemaRefs>
-</ds:datastoreItem>
-</file>
-
 <file path=customXml/itemProps3.xml><?xml version="1.0" encoding="utf-8"?>
 <ds:datastoreItem xmlns:ds="http://schemas.openxmlformats.org/officeDocument/2006/customXml" ds:itemID="{A03EEFF0-FB57-4CB4-8BFC-DF397689E2ED}">
   <ds:schemaRefs>
